--- a/docs/sxbg/新建 Microsoft PowerPoint 演示文稿.pptx
+++ b/docs/sxbg/新建 Microsoft PowerPoint 演示文稿.pptx
@@ -6,6 +6,8 @@
   </p:sldMasterIdLst>
   <p:sldIdLst>
     <p:sldId id="256" r:id="rId2"/>
+    <p:sldId id="257" r:id="rId3"/>
+    <p:sldId id="258" r:id="rId4"/>
   </p:sldIdLst>
   <p:sldSz cx="12192000" cy="6858000"/>
   <p:notesSz cx="6858000" cy="9144000"/>
@@ -259,7 +261,7 @@
           <a:p>
             <a:fld id="{D956ED8B-2F57-461B-9C76-532C51C055AE}" type="datetimeFigureOut">
               <a:rPr lang="zh-CN" altLang="en-US" smtClean="0"/>
-              <a:t>2021/8/1</a:t>
+              <a:t>2021/8/12</a:t>
             </a:fld>
             <a:endParaRPr lang="zh-CN" altLang="en-US"/>
           </a:p>
@@ -457,7 +459,7 @@
           <a:p>
             <a:fld id="{D956ED8B-2F57-461B-9C76-532C51C055AE}" type="datetimeFigureOut">
               <a:rPr lang="zh-CN" altLang="en-US" smtClean="0"/>
-              <a:t>2021/8/1</a:t>
+              <a:t>2021/8/12</a:t>
             </a:fld>
             <a:endParaRPr lang="zh-CN" altLang="en-US"/>
           </a:p>
@@ -665,7 +667,7 @@
           <a:p>
             <a:fld id="{D956ED8B-2F57-461B-9C76-532C51C055AE}" type="datetimeFigureOut">
               <a:rPr lang="zh-CN" altLang="en-US" smtClean="0"/>
-              <a:t>2021/8/1</a:t>
+              <a:t>2021/8/12</a:t>
             </a:fld>
             <a:endParaRPr lang="zh-CN" altLang="en-US"/>
           </a:p>
@@ -863,7 +865,7 @@
           <a:p>
             <a:fld id="{D956ED8B-2F57-461B-9C76-532C51C055AE}" type="datetimeFigureOut">
               <a:rPr lang="zh-CN" altLang="en-US" smtClean="0"/>
-              <a:t>2021/8/1</a:t>
+              <a:t>2021/8/12</a:t>
             </a:fld>
             <a:endParaRPr lang="zh-CN" altLang="en-US"/>
           </a:p>
@@ -1138,7 +1140,7 @@
           <a:p>
             <a:fld id="{D956ED8B-2F57-461B-9C76-532C51C055AE}" type="datetimeFigureOut">
               <a:rPr lang="zh-CN" altLang="en-US" smtClean="0"/>
-              <a:t>2021/8/1</a:t>
+              <a:t>2021/8/12</a:t>
             </a:fld>
             <a:endParaRPr lang="zh-CN" altLang="en-US"/>
           </a:p>
@@ -1403,7 +1405,7 @@
           <a:p>
             <a:fld id="{D956ED8B-2F57-461B-9C76-532C51C055AE}" type="datetimeFigureOut">
               <a:rPr lang="zh-CN" altLang="en-US" smtClean="0"/>
-              <a:t>2021/8/1</a:t>
+              <a:t>2021/8/12</a:t>
             </a:fld>
             <a:endParaRPr lang="zh-CN" altLang="en-US"/>
           </a:p>
@@ -1815,7 +1817,7 @@
           <a:p>
             <a:fld id="{D956ED8B-2F57-461B-9C76-532C51C055AE}" type="datetimeFigureOut">
               <a:rPr lang="zh-CN" altLang="en-US" smtClean="0"/>
-              <a:t>2021/8/1</a:t>
+              <a:t>2021/8/12</a:t>
             </a:fld>
             <a:endParaRPr lang="zh-CN" altLang="en-US"/>
           </a:p>
@@ -1956,7 +1958,7 @@
           <a:p>
             <a:fld id="{D956ED8B-2F57-461B-9C76-532C51C055AE}" type="datetimeFigureOut">
               <a:rPr lang="zh-CN" altLang="en-US" smtClean="0"/>
-              <a:t>2021/8/1</a:t>
+              <a:t>2021/8/12</a:t>
             </a:fld>
             <a:endParaRPr lang="zh-CN" altLang="en-US"/>
           </a:p>
@@ -2069,7 +2071,7 @@
           <a:p>
             <a:fld id="{D956ED8B-2F57-461B-9C76-532C51C055AE}" type="datetimeFigureOut">
               <a:rPr lang="zh-CN" altLang="en-US" smtClean="0"/>
-              <a:t>2021/8/1</a:t>
+              <a:t>2021/8/12</a:t>
             </a:fld>
             <a:endParaRPr lang="zh-CN" altLang="en-US"/>
           </a:p>
@@ -2380,7 +2382,7 @@
           <a:p>
             <a:fld id="{D956ED8B-2F57-461B-9C76-532C51C055AE}" type="datetimeFigureOut">
               <a:rPr lang="zh-CN" altLang="en-US" smtClean="0"/>
-              <a:t>2021/8/1</a:t>
+              <a:t>2021/8/12</a:t>
             </a:fld>
             <a:endParaRPr lang="zh-CN" altLang="en-US"/>
           </a:p>
@@ -2668,7 +2670,7 @@
           <a:p>
             <a:fld id="{D956ED8B-2F57-461B-9C76-532C51C055AE}" type="datetimeFigureOut">
               <a:rPr lang="zh-CN" altLang="en-US" smtClean="0"/>
-              <a:t>2021/8/1</a:t>
+              <a:t>2021/8/12</a:t>
             </a:fld>
             <a:endParaRPr lang="zh-CN" altLang="en-US"/>
           </a:p>
@@ -2909,7 +2911,7 @@
           <a:p>
             <a:fld id="{D956ED8B-2F57-461B-9C76-532C51C055AE}" type="datetimeFigureOut">
               <a:rPr lang="zh-CN" altLang="en-US" smtClean="0"/>
-              <a:t>2021/8/1</a:t>
+              <a:t>2021/8/12</a:t>
             </a:fld>
             <a:endParaRPr lang="zh-CN" altLang="en-US"/>
           </a:p>
@@ -4950,14 +4952,14 @@
           <p:nvPr>
             <p:extLst>
               <p:ext uri="{D42A27DB-BD31-4B8C-83A1-F6EECF244321}">
-                <p14:modId xmlns:p14="http://schemas.microsoft.com/office/powerpoint/2010/main" val="1219806994"/>
+                <p14:modId xmlns:p14="http://schemas.microsoft.com/office/powerpoint/2010/main" val="164546477"/>
               </p:ext>
             </p:extLst>
           </p:nvPr>
         </p:nvGraphicFramePr>
         <p:xfrm>
-          <a:off x="77814" y="3462124"/>
-          <a:ext cx="12023406" cy="548640"/>
+          <a:off x="84841" y="3462124"/>
+          <a:ext cx="12016379" cy="548640"/>
         </p:xfrm>
         <a:graphic>
           <a:graphicData uri="http://schemas.openxmlformats.org/drawingml/2006/table">
@@ -4966,7 +4968,7 @@
                 <a:tableStyleId>{ED083AE6-46FA-4A59-8FB0-9F97EB10719F}</a:tableStyleId>
               </a:tblPr>
               <a:tblGrid>
-                <a:gridCol w="667967">
+                <a:gridCol w="660940">
                   <a:extLst>
                     <a:ext uri="{9D8B030D-6E8A-4147-A177-3AD203B41FA5}">
                       <a16:colId xmlns:a16="http://schemas.microsoft.com/office/drawing/2014/main" val="177568769"/>
@@ -6550,6 +6552,2342 @@
     <p:extLst>
       <p:ext uri="{BB962C8B-B14F-4D97-AF65-F5344CB8AC3E}">
         <p14:creationId xmlns:p14="http://schemas.microsoft.com/office/powerpoint/2010/main" val="1114185755"/>
+      </p:ext>
+    </p:extLst>
+  </p:cSld>
+  <p:clrMapOvr>
+    <a:masterClrMapping/>
+  </p:clrMapOvr>
+</p:sld>
+</file>
+
+<file path=ppt/slides/slide2.xml><?xml version="1.0" encoding="utf-8"?>
+<p:sld xmlns:a="http://schemas.openxmlformats.org/drawingml/2006/main" xmlns:r="http://schemas.openxmlformats.org/officeDocument/2006/relationships" xmlns:p="http://schemas.openxmlformats.org/presentationml/2006/main">
+  <p:cSld>
+    <p:spTree>
+      <p:nvGrpSpPr>
+        <p:cNvPr id="1" name=""/>
+        <p:cNvGrpSpPr/>
+        <p:nvPr/>
+      </p:nvGrpSpPr>
+      <p:grpSpPr>
+        <a:xfrm>
+          <a:off x="0" y="0"/>
+          <a:ext cx="0" cy="0"/>
+          <a:chOff x="0" y="0"/>
+          <a:chExt cx="0" cy="0"/>
+        </a:xfrm>
+      </p:grpSpPr>
+      <p:sp>
+        <p:nvSpPr>
+          <p:cNvPr id="2" name="标题 1">
+            <a:extLst>
+              <a:ext uri="{FF2B5EF4-FFF2-40B4-BE49-F238E27FC236}">
+                <a16:creationId xmlns:a16="http://schemas.microsoft.com/office/drawing/2014/main" id="{94BBE677-E785-44C9-A010-3D86738572E5}"/>
+              </a:ext>
+            </a:extLst>
+          </p:cNvPr>
+          <p:cNvSpPr>
+            <a:spLocks noGrp="1"/>
+          </p:cNvSpPr>
+          <p:nvPr>
+            <p:ph type="title"/>
+          </p:nvPr>
+        </p:nvSpPr>
+        <p:spPr/>
+        <p:txBody>
+          <a:bodyPr/>
+          <a:lstStyle/>
+          <a:p>
+            <a:endParaRPr lang="zh-CN" altLang="en-US" dirty="0"/>
+          </a:p>
+        </p:txBody>
+      </p:sp>
+      <p:graphicFrame>
+        <p:nvGraphicFramePr>
+          <p:cNvPr id="4" name="内容占位符 3">
+            <a:extLst>
+              <a:ext uri="{FF2B5EF4-FFF2-40B4-BE49-F238E27FC236}">
+                <a16:creationId xmlns:a16="http://schemas.microsoft.com/office/drawing/2014/main" id="{67C1FBB5-DCD4-4240-AF66-1B41F40164AE}"/>
+              </a:ext>
+            </a:extLst>
+          </p:cNvPr>
+          <p:cNvGraphicFramePr>
+            <a:graphicFrameLocks noGrp="1"/>
+          </p:cNvGraphicFramePr>
+          <p:nvPr>
+            <p:ph idx="1"/>
+            <p:extLst>
+              <p:ext uri="{D42A27DB-BD31-4B8C-83A1-F6EECF244321}">
+                <p14:modId xmlns:p14="http://schemas.microsoft.com/office/powerpoint/2010/main" val="3751983794"/>
+              </p:ext>
+            </p:extLst>
+          </p:nvPr>
+        </p:nvGraphicFramePr>
+        <p:xfrm>
+          <a:off x="2101392" y="4650704"/>
+          <a:ext cx="3243606" cy="438827"/>
+        </p:xfrm>
+        <a:graphic>
+          <a:graphicData uri="http://schemas.openxmlformats.org/drawingml/2006/table">
+            <a:tbl>
+              <a:tblPr firstRow="1" bandRow="1">
+                <a:tableStyleId>{ED083AE6-46FA-4A59-8FB0-9F97EB10719F}</a:tableStyleId>
+              </a:tblPr>
+              <a:tblGrid>
+                <a:gridCol w="1073592">
+                  <a:extLst>
+                    <a:ext uri="{9D8B030D-6E8A-4147-A177-3AD203B41FA5}">
+                      <a16:colId xmlns:a16="http://schemas.microsoft.com/office/drawing/2014/main" val="1257255664"/>
+                    </a:ext>
+                  </a:extLst>
+                </a:gridCol>
+                <a:gridCol w="1085007">
+                  <a:extLst>
+                    <a:ext uri="{9D8B030D-6E8A-4147-A177-3AD203B41FA5}">
+                      <a16:colId xmlns:a16="http://schemas.microsoft.com/office/drawing/2014/main" val="2818961655"/>
+                    </a:ext>
+                  </a:extLst>
+                </a:gridCol>
+                <a:gridCol w="1085007">
+                  <a:extLst>
+                    <a:ext uri="{9D8B030D-6E8A-4147-A177-3AD203B41FA5}">
+                      <a16:colId xmlns:a16="http://schemas.microsoft.com/office/drawing/2014/main" val="2409236705"/>
+                    </a:ext>
+                  </a:extLst>
+                </a:gridCol>
+              </a:tblGrid>
+              <a:tr h="438827">
+                <a:tc>
+                  <a:txBody>
+                    <a:bodyPr/>
+                    <a:lstStyle/>
+                    <a:p>
+                      <a:pPr algn="ctr"/>
+                      <a:r>
+                        <a:rPr lang="zh-CN" altLang="en-US" sz="1600" dirty="0"/>
+                        <a:t>[</a:t>
+                      </a:r>
+                      <a:r>
+                        <a:rPr lang="en-US" altLang="zh-CN" sz="1600" dirty="0"/>
+                        <a:t>CLS</a:t>
+                      </a:r>
+                      <a:r>
+                        <a:rPr lang="zh-CN" altLang="en-US" sz="1600" dirty="0"/>
+                        <a:t>] </a:t>
+                      </a:r>
+                    </a:p>
+                  </a:txBody>
+                  <a:tcPr anchor="ctr"/>
+                </a:tc>
+                <a:tc>
+                  <a:txBody>
+                    <a:bodyPr/>
+                    <a:lstStyle/>
+                    <a:p>
+                      <a:pPr algn="ctr"/>
+                      <a:r>
+                        <a:rPr lang="en-US" altLang="zh-CN" sz="1600" b="1" i="0" dirty="0"/>
+                        <a:t>[S-PER]</a:t>
+                      </a:r>
+                      <a:endParaRPr lang="zh-CN" altLang="en-US" sz="1600" b="1" i="0" dirty="0"/>
+                    </a:p>
+                  </a:txBody>
+                  <a:tcPr anchor="ctr"/>
+                </a:tc>
+                <a:tc>
+                  <a:txBody>
+                    <a:bodyPr/>
+                    <a:lstStyle/>
+                    <a:p>
+                      <a:pPr marL="0" marR="0" lvl="0" indent="0" algn="ctr" defTabSz="914400" rtl="0" eaLnBrk="1" fontAlgn="auto" latinLnBrk="0" hangingPunct="1">
+                        <a:lnSpc>
+                          <a:spcPct val="100000"/>
+                        </a:lnSpc>
+                        <a:spcBef>
+                          <a:spcPts val="0"/>
+                        </a:spcBef>
+                        <a:spcAft>
+                          <a:spcPts val="0"/>
+                        </a:spcAft>
+                        <a:buClrTx/>
+                        <a:buSzTx/>
+                        <a:buFontTx/>
+                        <a:buNone/>
+                        <a:tabLst/>
+                        <a:defRPr/>
+                      </a:pPr>
+                      <a:r>
+                        <a:rPr lang="en-US" altLang="zh-CN" sz="1600" b="1" i="0" dirty="0"/>
+                        <a:t>[O-ORG]</a:t>
+                      </a:r>
+                      <a:endParaRPr lang="zh-CN" altLang="en-US" sz="1600" b="1" i="0" dirty="0"/>
+                    </a:p>
+                  </a:txBody>
+                  <a:tcPr anchor="ctr"/>
+                </a:tc>
+                <a:extLst>
+                  <a:ext uri="{0D108BD9-81ED-4DB2-BD59-A6C34878D82A}">
+                    <a16:rowId xmlns:a16="http://schemas.microsoft.com/office/drawing/2014/main" val="1080430453"/>
+                  </a:ext>
+                </a:extLst>
+              </a:tr>
+            </a:tbl>
+          </a:graphicData>
+        </a:graphic>
+      </p:graphicFrame>
+      <p:sp>
+        <p:nvSpPr>
+          <p:cNvPr id="5" name="矩形 4">
+            <a:extLst>
+              <a:ext uri="{FF2B5EF4-FFF2-40B4-BE49-F238E27FC236}">
+                <a16:creationId xmlns:a16="http://schemas.microsoft.com/office/drawing/2014/main" id="{3725DBED-D43D-4726-9029-D9BCBC551A9D}"/>
+              </a:ext>
+            </a:extLst>
+          </p:cNvPr>
+          <p:cNvSpPr/>
+          <p:nvPr/>
+        </p:nvSpPr>
+        <p:spPr>
+          <a:xfrm>
+            <a:off x="2101392" y="3848012"/>
+            <a:ext cx="3243605" cy="438827"/>
+          </a:xfrm>
+          <a:prstGeom prst="rect">
+            <a:avLst/>
+          </a:prstGeom>
+          <a:noFill/>
+          <a:ln>
+            <a:solidFill>
+              <a:schemeClr val="tx1"/>
+            </a:solidFill>
+          </a:ln>
+        </p:spPr>
+        <p:style>
+          <a:lnRef idx="2">
+            <a:schemeClr val="accent1">
+              <a:shade val="50000"/>
+            </a:schemeClr>
+          </a:lnRef>
+          <a:fillRef idx="1">
+            <a:schemeClr val="accent1"/>
+          </a:fillRef>
+          <a:effectRef idx="0">
+            <a:schemeClr val="accent1"/>
+          </a:effectRef>
+          <a:fontRef idx="minor">
+            <a:schemeClr val="lt1"/>
+          </a:fontRef>
+        </p:style>
+        <p:txBody>
+          <a:bodyPr rtlCol="0" anchor="ctr"/>
+          <a:lstStyle/>
+          <a:p>
+            <a:pPr algn="ctr"/>
+            <a:r>
+              <a:rPr lang="en-US" altLang="zh-CN" sz="2400" b="1" dirty="0">
+                <a:solidFill>
+                  <a:schemeClr val="tx1"/>
+                </a:solidFill>
+              </a:rPr>
+              <a:t>classifier</a:t>
+            </a:r>
+            <a:endParaRPr lang="zh-CN" altLang="en-US" sz="2400" b="1" dirty="0">
+              <a:solidFill>
+                <a:schemeClr val="tx1"/>
+              </a:solidFill>
+            </a:endParaRPr>
+          </a:p>
+        </p:txBody>
+      </p:sp>
+      <p:cxnSp>
+        <p:nvCxnSpPr>
+          <p:cNvPr id="7" name="直接箭头连接符 6">
+            <a:extLst>
+              <a:ext uri="{FF2B5EF4-FFF2-40B4-BE49-F238E27FC236}">
+                <a16:creationId xmlns:a16="http://schemas.microsoft.com/office/drawing/2014/main" id="{62C46C5A-8ACD-42AA-B347-5C6691654893}"/>
+              </a:ext>
+            </a:extLst>
+          </p:cNvPr>
+          <p:cNvCxnSpPr>
+            <a:cxnSpLocks/>
+            <a:stCxn id="4" idx="0"/>
+            <a:endCxn id="5" idx="2"/>
+          </p:cNvCxnSpPr>
+          <p:nvPr/>
+        </p:nvCxnSpPr>
+        <p:spPr>
+          <a:xfrm flipV="1">
+            <a:off x="3723195" y="4286839"/>
+            <a:ext cx="0" cy="363865"/>
+          </a:xfrm>
+          <a:prstGeom prst="straightConnector1">
+            <a:avLst/>
+          </a:prstGeom>
+          <a:ln>
+            <a:tailEnd type="triangle"/>
+          </a:ln>
+        </p:spPr>
+        <p:style>
+          <a:lnRef idx="3">
+            <a:schemeClr val="dk1"/>
+          </a:lnRef>
+          <a:fillRef idx="0">
+            <a:schemeClr val="dk1"/>
+          </a:fillRef>
+          <a:effectRef idx="2">
+            <a:schemeClr val="dk1"/>
+          </a:effectRef>
+          <a:fontRef idx="minor">
+            <a:schemeClr val="tx1"/>
+          </a:fontRef>
+        </p:style>
+      </p:cxnSp>
+      <p:graphicFrame>
+        <p:nvGraphicFramePr>
+          <p:cNvPr id="12" name="表格 12">
+            <a:extLst>
+              <a:ext uri="{FF2B5EF4-FFF2-40B4-BE49-F238E27FC236}">
+                <a16:creationId xmlns:a16="http://schemas.microsoft.com/office/drawing/2014/main" id="{949B4330-61CC-4D46-BD55-E890287010EB}"/>
+              </a:ext>
+            </a:extLst>
+          </p:cNvPr>
+          <p:cNvGraphicFramePr>
+            <a:graphicFrameLocks noGrp="1"/>
+          </p:cNvGraphicFramePr>
+          <p:nvPr>
+            <p:extLst>
+              <p:ext uri="{D42A27DB-BD31-4B8C-83A1-F6EECF244321}">
+                <p14:modId xmlns:p14="http://schemas.microsoft.com/office/powerpoint/2010/main" val="3807466794"/>
+              </p:ext>
+            </p:extLst>
+          </p:nvPr>
+        </p:nvGraphicFramePr>
+        <p:xfrm>
+          <a:off x="1379388" y="2742467"/>
+          <a:ext cx="4687612" cy="741678"/>
+        </p:xfrm>
+        <a:graphic>
+          <a:graphicData uri="http://schemas.openxmlformats.org/drawingml/2006/table">
+            <a:tbl>
+              <a:tblPr firstRow="1" bandRow="1">
+                <a:tableStyleId>{5C22544A-7EE6-4342-B048-85BDC9FD1C3A}</a:tableStyleId>
+              </a:tblPr>
+              <a:tblGrid>
+                <a:gridCol w="1171903">
+                  <a:extLst>
+                    <a:ext uri="{9D8B030D-6E8A-4147-A177-3AD203B41FA5}">
+                      <a16:colId xmlns:a16="http://schemas.microsoft.com/office/drawing/2014/main" val="3541958021"/>
+                    </a:ext>
+                  </a:extLst>
+                </a:gridCol>
+                <a:gridCol w="1171903">
+                  <a:extLst>
+                    <a:ext uri="{9D8B030D-6E8A-4147-A177-3AD203B41FA5}">
+                      <a16:colId xmlns:a16="http://schemas.microsoft.com/office/drawing/2014/main" val="2809121800"/>
+                    </a:ext>
+                  </a:extLst>
+                </a:gridCol>
+                <a:gridCol w="1171903">
+                  <a:extLst>
+                    <a:ext uri="{9D8B030D-6E8A-4147-A177-3AD203B41FA5}">
+                      <a16:colId xmlns:a16="http://schemas.microsoft.com/office/drawing/2014/main" val="3456793814"/>
+                    </a:ext>
+                  </a:extLst>
+                </a:gridCol>
+                <a:gridCol w="1171903">
+                  <a:extLst>
+                    <a:ext uri="{9D8B030D-6E8A-4147-A177-3AD203B41FA5}">
+                      <a16:colId xmlns:a16="http://schemas.microsoft.com/office/drawing/2014/main" val="1022975876"/>
+                    </a:ext>
+                  </a:extLst>
+                </a:gridCol>
+              </a:tblGrid>
+              <a:tr h="370839">
+                <a:tc>
+                  <a:txBody>
+                    <a:bodyPr/>
+                    <a:lstStyle/>
+                    <a:p>
+                      <a:pPr algn="ctr"/>
+                      <a:r>
+                        <a:rPr lang="en-US" altLang="zh-CN" b="0" dirty="0">
+                          <a:solidFill>
+                            <a:schemeClr val="tx1"/>
+                          </a:solidFill>
+                        </a:rPr>
+                        <a:t>0.1</a:t>
+                      </a:r>
+                      <a:endParaRPr lang="zh-CN" altLang="en-US" b="0" dirty="0">
+                        <a:solidFill>
+                          <a:schemeClr val="tx1"/>
+                        </a:solidFill>
+                      </a:endParaRPr>
+                    </a:p>
+                  </a:txBody>
+                  <a:tcPr anchor="ctr">
+                    <a:lnL w="12700" cmpd="sng">
+                      <a:noFill/>
+                    </a:lnL>
+                    <a:lnR w="12700" cmpd="sng">
+                      <a:noFill/>
+                    </a:lnR>
+                    <a:lnT w="12700" cmpd="sng">
+                      <a:noFill/>
+                    </a:lnT>
+                    <a:lnB w="38100" cmpd="sng">
+                      <a:noFill/>
+                    </a:lnB>
+                    <a:lnTlToBr w="12700" cmpd="sng">
+                      <a:noFill/>
+                      <a:prstDash val="solid"/>
+                    </a:lnTlToBr>
+                    <a:lnBlToTr w="12700" cmpd="sng">
+                      <a:noFill/>
+                      <a:prstDash val="solid"/>
+                    </a:lnBlToTr>
+                    <a:solidFill>
+                      <a:schemeClr val="bg1"/>
+                    </a:solidFill>
+                  </a:tcPr>
+                </a:tc>
+                <a:tc>
+                  <a:txBody>
+                    <a:bodyPr/>
+                    <a:lstStyle/>
+                    <a:p>
+                      <a:pPr algn="ctr"/>
+                      <a:r>
+                        <a:rPr lang="en-US" altLang="zh-CN" b="0" dirty="0">
+                          <a:solidFill>
+                            <a:schemeClr val="tx1"/>
+                          </a:solidFill>
+                        </a:rPr>
+                        <a:t>0.7</a:t>
+                      </a:r>
+                      <a:endParaRPr lang="zh-CN" altLang="en-US" b="0" dirty="0">
+                        <a:solidFill>
+                          <a:schemeClr val="tx1"/>
+                        </a:solidFill>
+                      </a:endParaRPr>
+                    </a:p>
+                  </a:txBody>
+                  <a:tcPr anchor="ctr">
+                    <a:lnL w="12700" cmpd="sng">
+                      <a:noFill/>
+                    </a:lnL>
+                    <a:lnR w="12700" cmpd="sng">
+                      <a:noFill/>
+                    </a:lnR>
+                    <a:lnT w="12700" cmpd="sng">
+                      <a:noFill/>
+                    </a:lnT>
+                    <a:lnB w="38100" cmpd="sng">
+                      <a:noFill/>
+                    </a:lnB>
+                    <a:lnTlToBr w="12700" cmpd="sng">
+                      <a:noFill/>
+                      <a:prstDash val="solid"/>
+                    </a:lnTlToBr>
+                    <a:lnBlToTr w="12700" cmpd="sng">
+                      <a:noFill/>
+                      <a:prstDash val="solid"/>
+                    </a:lnBlToTr>
+                    <a:solidFill>
+                      <a:schemeClr val="bg1"/>
+                    </a:solidFill>
+                  </a:tcPr>
+                </a:tc>
+                <a:tc>
+                  <a:txBody>
+                    <a:bodyPr/>
+                    <a:lstStyle/>
+                    <a:p>
+                      <a:pPr algn="ctr"/>
+                      <a:r>
+                        <a:rPr lang="en-US" altLang="zh-CN" b="1" dirty="0">
+                          <a:solidFill>
+                            <a:schemeClr val="tx1"/>
+                          </a:solidFill>
+                        </a:rPr>
+                        <a:t>···</a:t>
+                      </a:r>
+                      <a:endParaRPr lang="zh-CN" altLang="en-US" b="1" dirty="0">
+                        <a:solidFill>
+                          <a:schemeClr val="tx1"/>
+                        </a:solidFill>
+                      </a:endParaRPr>
+                    </a:p>
+                  </a:txBody>
+                  <a:tcPr anchor="ctr">
+                    <a:lnL w="12700" cmpd="sng">
+                      <a:noFill/>
+                    </a:lnL>
+                    <a:lnR w="12700" cmpd="sng">
+                      <a:noFill/>
+                    </a:lnR>
+                    <a:lnT w="12700" cmpd="sng">
+                      <a:noFill/>
+                    </a:lnT>
+                    <a:lnB w="38100" cmpd="sng">
+                      <a:noFill/>
+                    </a:lnB>
+                    <a:lnTlToBr w="12700" cmpd="sng">
+                      <a:noFill/>
+                      <a:prstDash val="solid"/>
+                    </a:lnTlToBr>
+                    <a:lnBlToTr w="12700" cmpd="sng">
+                      <a:noFill/>
+                      <a:prstDash val="solid"/>
+                    </a:lnBlToTr>
+                    <a:solidFill>
+                      <a:schemeClr val="bg1"/>
+                    </a:solidFill>
+                  </a:tcPr>
+                </a:tc>
+                <a:tc>
+                  <a:txBody>
+                    <a:bodyPr/>
+                    <a:lstStyle/>
+                    <a:p>
+                      <a:pPr algn="ctr"/>
+                      <a:r>
+                        <a:rPr lang="en-US" altLang="zh-CN" b="0" dirty="0">
+                          <a:solidFill>
+                            <a:schemeClr val="tx1"/>
+                          </a:solidFill>
+                        </a:rPr>
+                        <a:t>0.05</a:t>
+                      </a:r>
+                      <a:endParaRPr lang="zh-CN" altLang="en-US" b="0" dirty="0">
+                        <a:solidFill>
+                          <a:schemeClr val="tx1"/>
+                        </a:solidFill>
+                      </a:endParaRPr>
+                    </a:p>
+                  </a:txBody>
+                  <a:tcPr anchor="ctr">
+                    <a:lnL w="12700" cmpd="sng">
+                      <a:noFill/>
+                    </a:lnL>
+                    <a:lnR w="12700" cmpd="sng">
+                      <a:noFill/>
+                    </a:lnR>
+                    <a:lnT w="12700" cmpd="sng">
+                      <a:noFill/>
+                    </a:lnT>
+                    <a:lnB w="38100" cmpd="sng">
+                      <a:noFill/>
+                    </a:lnB>
+                    <a:lnTlToBr w="12700" cmpd="sng">
+                      <a:noFill/>
+                      <a:prstDash val="solid"/>
+                    </a:lnTlToBr>
+                    <a:lnBlToTr w="12700" cmpd="sng">
+                      <a:noFill/>
+                      <a:prstDash val="solid"/>
+                    </a:lnBlToTr>
+                    <a:solidFill>
+                      <a:schemeClr val="bg1"/>
+                    </a:solidFill>
+                  </a:tcPr>
+                </a:tc>
+                <a:extLst>
+                  <a:ext uri="{0D108BD9-81ED-4DB2-BD59-A6C34878D82A}">
+                    <a16:rowId xmlns:a16="http://schemas.microsoft.com/office/drawing/2014/main" val="2561116452"/>
+                  </a:ext>
+                </a:extLst>
+              </a:tr>
+              <a:tr h="370839">
+                <a:tc>
+                  <a:txBody>
+                    <a:bodyPr/>
+                    <a:lstStyle/>
+                    <a:p>
+                      <a:pPr algn="ctr"/>
+                      <a:r>
+                        <a:rPr lang="zh-CN" altLang="en-US" b="0" dirty="0">
+                          <a:solidFill>
+                            <a:schemeClr val="tx1"/>
+                          </a:solidFill>
+                        </a:rPr>
+                        <a:t>担保</a:t>
+                      </a:r>
+                    </a:p>
+                  </a:txBody>
+                  <a:tcPr anchor="ctr">
+                    <a:lnL w="12700" cmpd="sng">
+                      <a:noFill/>
+                    </a:lnL>
+                    <a:lnR w="12700" cmpd="sng">
+                      <a:noFill/>
+                    </a:lnR>
+                    <a:lnT w="38100" cmpd="sng">
+                      <a:noFill/>
+                    </a:lnT>
+                    <a:lnB w="12700" cmpd="sng">
+                      <a:noFill/>
+                    </a:lnB>
+                    <a:lnTlToBr w="12700" cmpd="sng">
+                      <a:noFill/>
+                      <a:prstDash val="solid"/>
+                    </a:lnTlToBr>
+                    <a:lnBlToTr w="12700" cmpd="sng">
+                      <a:noFill/>
+                      <a:prstDash val="solid"/>
+                    </a:lnBlToTr>
+                    <a:solidFill>
+                      <a:schemeClr val="bg1"/>
+                    </a:solidFill>
+                  </a:tcPr>
+                </a:tc>
+                <a:tc>
+                  <a:txBody>
+                    <a:bodyPr/>
+                    <a:lstStyle/>
+                    <a:p>
+                      <a:pPr algn="ctr"/>
+                      <a:r>
+                        <a:rPr lang="zh-CN" altLang="en-US" b="0" dirty="0">
+                          <a:solidFill>
+                            <a:schemeClr val="tx1"/>
+                          </a:solidFill>
+                        </a:rPr>
+                        <a:t>股东</a:t>
+                      </a:r>
+                    </a:p>
+                  </a:txBody>
+                  <a:tcPr anchor="ctr">
+                    <a:lnL w="12700" cmpd="sng">
+                      <a:noFill/>
+                    </a:lnL>
+                    <a:lnR w="12700" cmpd="sng">
+                      <a:noFill/>
+                    </a:lnR>
+                    <a:lnT w="38100" cmpd="sng">
+                      <a:noFill/>
+                    </a:lnT>
+                    <a:lnB w="12700" cmpd="sng">
+                      <a:noFill/>
+                    </a:lnB>
+                    <a:lnTlToBr w="12700" cmpd="sng">
+                      <a:noFill/>
+                      <a:prstDash val="solid"/>
+                    </a:lnTlToBr>
+                    <a:lnBlToTr w="12700" cmpd="sng">
+                      <a:noFill/>
+                      <a:prstDash val="solid"/>
+                    </a:lnBlToTr>
+                    <a:solidFill>
+                      <a:schemeClr val="bg1"/>
+                    </a:solidFill>
+                  </a:tcPr>
+                </a:tc>
+                <a:tc>
+                  <a:txBody>
+                    <a:bodyPr/>
+                    <a:lstStyle/>
+                    <a:p>
+                      <a:pPr algn="ctr"/>
+                      <a:r>
+                        <a:rPr lang="en-US" altLang="zh-CN" b="1" dirty="0">
+                          <a:solidFill>
+                            <a:schemeClr val="tx1"/>
+                          </a:solidFill>
+                        </a:rPr>
+                        <a:t>···</a:t>
+                      </a:r>
+                      <a:endParaRPr lang="zh-CN" altLang="en-US" b="1" dirty="0">
+                        <a:solidFill>
+                          <a:schemeClr val="tx1"/>
+                        </a:solidFill>
+                      </a:endParaRPr>
+                    </a:p>
+                  </a:txBody>
+                  <a:tcPr anchor="ctr">
+                    <a:lnL w="12700" cmpd="sng">
+                      <a:noFill/>
+                    </a:lnL>
+                    <a:lnR w="12700" cmpd="sng">
+                      <a:noFill/>
+                    </a:lnR>
+                    <a:lnT w="38100" cmpd="sng">
+                      <a:noFill/>
+                    </a:lnT>
+                    <a:lnB w="12700" cmpd="sng">
+                      <a:noFill/>
+                    </a:lnB>
+                    <a:lnTlToBr w="12700" cmpd="sng">
+                      <a:noFill/>
+                      <a:prstDash val="solid"/>
+                    </a:lnTlToBr>
+                    <a:lnBlToTr w="12700" cmpd="sng">
+                      <a:noFill/>
+                      <a:prstDash val="solid"/>
+                    </a:lnBlToTr>
+                    <a:solidFill>
+                      <a:schemeClr val="bg1"/>
+                    </a:solidFill>
+                  </a:tcPr>
+                </a:tc>
+                <a:tc>
+                  <a:txBody>
+                    <a:bodyPr/>
+                    <a:lstStyle/>
+                    <a:p>
+                      <a:pPr algn="ctr"/>
+                      <a:r>
+                        <a:rPr lang="zh-CN" altLang="en-US" b="0" dirty="0">
+                          <a:solidFill>
+                            <a:schemeClr val="tx1"/>
+                          </a:solidFill>
+                        </a:rPr>
+                        <a:t>法人</a:t>
+                      </a:r>
+                    </a:p>
+                  </a:txBody>
+                  <a:tcPr anchor="ctr">
+                    <a:lnL w="12700" cmpd="sng">
+                      <a:noFill/>
+                    </a:lnL>
+                    <a:lnR w="12700" cmpd="sng">
+                      <a:noFill/>
+                    </a:lnR>
+                    <a:lnT w="38100" cmpd="sng">
+                      <a:noFill/>
+                    </a:lnT>
+                    <a:lnB w="12700" cmpd="sng">
+                      <a:noFill/>
+                    </a:lnB>
+                    <a:lnTlToBr w="12700" cmpd="sng">
+                      <a:noFill/>
+                      <a:prstDash val="solid"/>
+                    </a:lnTlToBr>
+                    <a:lnBlToTr w="12700" cmpd="sng">
+                      <a:noFill/>
+                      <a:prstDash val="solid"/>
+                    </a:lnBlToTr>
+                    <a:solidFill>
+                      <a:schemeClr val="bg1"/>
+                    </a:solidFill>
+                  </a:tcPr>
+                </a:tc>
+                <a:extLst>
+                  <a:ext uri="{0D108BD9-81ED-4DB2-BD59-A6C34878D82A}">
+                    <a16:rowId xmlns:a16="http://schemas.microsoft.com/office/drawing/2014/main" val="4048438023"/>
+                  </a:ext>
+                </a:extLst>
+              </a:tr>
+            </a:tbl>
+          </a:graphicData>
+        </a:graphic>
+      </p:graphicFrame>
+      <p:cxnSp>
+        <p:nvCxnSpPr>
+          <p:cNvPr id="13" name="直接箭头连接符 12">
+            <a:extLst>
+              <a:ext uri="{FF2B5EF4-FFF2-40B4-BE49-F238E27FC236}">
+                <a16:creationId xmlns:a16="http://schemas.microsoft.com/office/drawing/2014/main" id="{178EDB49-1DF3-45CF-A2B0-83EE445A7B08}"/>
+              </a:ext>
+            </a:extLst>
+          </p:cNvPr>
+          <p:cNvCxnSpPr>
+            <a:cxnSpLocks/>
+          </p:cNvCxnSpPr>
+          <p:nvPr/>
+        </p:nvCxnSpPr>
+        <p:spPr>
+          <a:xfrm flipH="1" flipV="1">
+            <a:off x="1989056" y="3484145"/>
+            <a:ext cx="1734140" cy="363867"/>
+          </a:xfrm>
+          <a:prstGeom prst="straightConnector1">
+            <a:avLst/>
+          </a:prstGeom>
+          <a:ln>
+            <a:tailEnd type="triangle"/>
+          </a:ln>
+        </p:spPr>
+        <p:style>
+          <a:lnRef idx="3">
+            <a:schemeClr val="dk1"/>
+          </a:lnRef>
+          <a:fillRef idx="0">
+            <a:schemeClr val="dk1"/>
+          </a:fillRef>
+          <a:effectRef idx="2">
+            <a:schemeClr val="dk1"/>
+          </a:effectRef>
+          <a:fontRef idx="minor">
+            <a:schemeClr val="tx1"/>
+          </a:fontRef>
+        </p:style>
+      </p:cxnSp>
+      <p:cxnSp>
+        <p:nvCxnSpPr>
+          <p:cNvPr id="17" name="直接箭头连接符 16">
+            <a:extLst>
+              <a:ext uri="{FF2B5EF4-FFF2-40B4-BE49-F238E27FC236}">
+                <a16:creationId xmlns:a16="http://schemas.microsoft.com/office/drawing/2014/main" id="{E08289F7-F839-4A41-9221-9F2D0BF8FFC1}"/>
+              </a:ext>
+            </a:extLst>
+          </p:cNvPr>
+          <p:cNvCxnSpPr>
+            <a:cxnSpLocks/>
+            <a:stCxn id="5" idx="0"/>
+          </p:cNvCxnSpPr>
+          <p:nvPr/>
+        </p:nvCxnSpPr>
+        <p:spPr>
+          <a:xfrm flipV="1">
+            <a:off x="3723195" y="3484145"/>
+            <a:ext cx="1734138" cy="363867"/>
+          </a:xfrm>
+          <a:prstGeom prst="straightConnector1">
+            <a:avLst/>
+          </a:prstGeom>
+          <a:ln>
+            <a:tailEnd type="triangle"/>
+          </a:ln>
+        </p:spPr>
+        <p:style>
+          <a:lnRef idx="3">
+            <a:schemeClr val="dk1"/>
+          </a:lnRef>
+          <a:fillRef idx="0">
+            <a:schemeClr val="dk1"/>
+          </a:fillRef>
+          <a:effectRef idx="2">
+            <a:schemeClr val="dk1"/>
+          </a:effectRef>
+          <a:fontRef idx="minor">
+            <a:schemeClr val="tx1"/>
+          </a:fontRef>
+        </p:style>
+      </p:cxnSp>
+    </p:spTree>
+    <p:extLst>
+      <p:ext uri="{BB962C8B-B14F-4D97-AF65-F5344CB8AC3E}">
+        <p14:creationId xmlns:p14="http://schemas.microsoft.com/office/powerpoint/2010/main" val="2589967533"/>
+      </p:ext>
+    </p:extLst>
+  </p:cSld>
+  <p:clrMapOvr>
+    <a:masterClrMapping/>
+  </p:clrMapOvr>
+</p:sld>
+</file>
+
+<file path=ppt/slides/slide3.xml><?xml version="1.0" encoding="utf-8"?>
+<p:sld xmlns:a="http://schemas.openxmlformats.org/drawingml/2006/main" xmlns:r="http://schemas.openxmlformats.org/officeDocument/2006/relationships" xmlns:p="http://schemas.openxmlformats.org/presentationml/2006/main">
+  <p:cSld>
+    <p:spTree>
+      <p:nvGrpSpPr>
+        <p:cNvPr id="1" name=""/>
+        <p:cNvGrpSpPr/>
+        <p:nvPr/>
+      </p:nvGrpSpPr>
+      <p:grpSpPr>
+        <a:xfrm>
+          <a:off x="0" y="0"/>
+          <a:ext cx="0" cy="0"/>
+          <a:chOff x="0" y="0"/>
+          <a:chExt cx="0" cy="0"/>
+        </a:xfrm>
+      </p:grpSpPr>
+      <p:graphicFrame>
+        <p:nvGraphicFramePr>
+          <p:cNvPr id="4" name="表格 14">
+            <a:extLst>
+              <a:ext uri="{FF2B5EF4-FFF2-40B4-BE49-F238E27FC236}">
+                <a16:creationId xmlns:a16="http://schemas.microsoft.com/office/drawing/2014/main" id="{C454C0DD-F660-47C3-B97A-CFD1E62D3D24}"/>
+              </a:ext>
+            </a:extLst>
+          </p:cNvPr>
+          <p:cNvGraphicFramePr>
+            <a:graphicFrameLocks noGrp="1"/>
+          </p:cNvGraphicFramePr>
+          <p:nvPr>
+            <p:extLst>
+              <p:ext uri="{D42A27DB-BD31-4B8C-83A1-F6EECF244321}">
+                <p14:modId xmlns:p14="http://schemas.microsoft.com/office/powerpoint/2010/main" val="1373503100"/>
+              </p:ext>
+            </p:extLst>
+          </p:nvPr>
+        </p:nvGraphicFramePr>
+        <p:xfrm>
+          <a:off x="84841" y="3462124"/>
+          <a:ext cx="12016379" cy="548640"/>
+        </p:xfrm>
+        <a:graphic>
+          <a:graphicData uri="http://schemas.openxmlformats.org/drawingml/2006/table">
+            <a:tbl>
+              <a:tblPr firstRow="1" bandRow="1">
+                <a:tableStyleId>{ED083AE6-46FA-4A59-8FB0-9F97EB10719F}</a:tableStyleId>
+              </a:tblPr>
+              <a:tblGrid>
+                <a:gridCol w="660940">
+                  <a:extLst>
+                    <a:ext uri="{9D8B030D-6E8A-4147-A177-3AD203B41FA5}">
+                      <a16:colId xmlns:a16="http://schemas.microsoft.com/office/drawing/2014/main" val="177568769"/>
+                    </a:ext>
+                  </a:extLst>
+                </a:gridCol>
+                <a:gridCol w="667967">
+                  <a:extLst>
+                    <a:ext uri="{9D8B030D-6E8A-4147-A177-3AD203B41FA5}">
+                      <a16:colId xmlns:a16="http://schemas.microsoft.com/office/drawing/2014/main" val="2063715131"/>
+                    </a:ext>
+                  </a:extLst>
+                </a:gridCol>
+                <a:gridCol w="667967">
+                  <a:extLst>
+                    <a:ext uri="{9D8B030D-6E8A-4147-A177-3AD203B41FA5}">
+                      <a16:colId xmlns:a16="http://schemas.microsoft.com/office/drawing/2014/main" val="4268594989"/>
+                    </a:ext>
+                  </a:extLst>
+                </a:gridCol>
+                <a:gridCol w="667967">
+                  <a:extLst>
+                    <a:ext uri="{9D8B030D-6E8A-4147-A177-3AD203B41FA5}">
+                      <a16:colId xmlns:a16="http://schemas.microsoft.com/office/drawing/2014/main" val="2472840813"/>
+                    </a:ext>
+                  </a:extLst>
+                </a:gridCol>
+                <a:gridCol w="667967">
+                  <a:extLst>
+                    <a:ext uri="{9D8B030D-6E8A-4147-A177-3AD203B41FA5}">
+                      <a16:colId xmlns:a16="http://schemas.microsoft.com/office/drawing/2014/main" val="1581766430"/>
+                    </a:ext>
+                  </a:extLst>
+                </a:gridCol>
+                <a:gridCol w="667967">
+                  <a:extLst>
+                    <a:ext uri="{9D8B030D-6E8A-4147-A177-3AD203B41FA5}">
+                      <a16:colId xmlns:a16="http://schemas.microsoft.com/office/drawing/2014/main" val="1733685783"/>
+                    </a:ext>
+                  </a:extLst>
+                </a:gridCol>
+                <a:gridCol w="667967">
+                  <a:extLst>
+                    <a:ext uri="{9D8B030D-6E8A-4147-A177-3AD203B41FA5}">
+                      <a16:colId xmlns:a16="http://schemas.microsoft.com/office/drawing/2014/main" val="1934503964"/>
+                    </a:ext>
+                  </a:extLst>
+                </a:gridCol>
+                <a:gridCol w="667967">
+                  <a:extLst>
+                    <a:ext uri="{9D8B030D-6E8A-4147-A177-3AD203B41FA5}">
+                      <a16:colId xmlns:a16="http://schemas.microsoft.com/office/drawing/2014/main" val="3303510529"/>
+                    </a:ext>
+                  </a:extLst>
+                </a:gridCol>
+                <a:gridCol w="667967">
+                  <a:extLst>
+                    <a:ext uri="{9D8B030D-6E8A-4147-A177-3AD203B41FA5}">
+                      <a16:colId xmlns:a16="http://schemas.microsoft.com/office/drawing/2014/main" val="2608640276"/>
+                    </a:ext>
+                  </a:extLst>
+                </a:gridCol>
+                <a:gridCol w="667967">
+                  <a:extLst>
+                    <a:ext uri="{9D8B030D-6E8A-4147-A177-3AD203B41FA5}">
+                      <a16:colId xmlns:a16="http://schemas.microsoft.com/office/drawing/2014/main" val="1057100303"/>
+                    </a:ext>
+                  </a:extLst>
+                </a:gridCol>
+                <a:gridCol w="667967">
+                  <a:extLst>
+                    <a:ext uri="{9D8B030D-6E8A-4147-A177-3AD203B41FA5}">
+                      <a16:colId xmlns:a16="http://schemas.microsoft.com/office/drawing/2014/main" val="160468595"/>
+                    </a:ext>
+                  </a:extLst>
+                </a:gridCol>
+                <a:gridCol w="667967">
+                  <a:extLst>
+                    <a:ext uri="{9D8B030D-6E8A-4147-A177-3AD203B41FA5}">
+                      <a16:colId xmlns:a16="http://schemas.microsoft.com/office/drawing/2014/main" val="6422287"/>
+                    </a:ext>
+                  </a:extLst>
+                </a:gridCol>
+                <a:gridCol w="667967">
+                  <a:extLst>
+                    <a:ext uri="{9D8B030D-6E8A-4147-A177-3AD203B41FA5}">
+                      <a16:colId xmlns:a16="http://schemas.microsoft.com/office/drawing/2014/main" val="1509350863"/>
+                    </a:ext>
+                  </a:extLst>
+                </a:gridCol>
+                <a:gridCol w="667967">
+                  <a:extLst>
+                    <a:ext uri="{9D8B030D-6E8A-4147-A177-3AD203B41FA5}">
+                      <a16:colId xmlns:a16="http://schemas.microsoft.com/office/drawing/2014/main" val="971772129"/>
+                    </a:ext>
+                  </a:extLst>
+                </a:gridCol>
+                <a:gridCol w="667967">
+                  <a:extLst>
+                    <a:ext uri="{9D8B030D-6E8A-4147-A177-3AD203B41FA5}">
+                      <a16:colId xmlns:a16="http://schemas.microsoft.com/office/drawing/2014/main" val="2355472672"/>
+                    </a:ext>
+                  </a:extLst>
+                </a:gridCol>
+                <a:gridCol w="667967">
+                  <a:extLst>
+                    <a:ext uri="{9D8B030D-6E8A-4147-A177-3AD203B41FA5}">
+                      <a16:colId xmlns:a16="http://schemas.microsoft.com/office/drawing/2014/main" val="1540054836"/>
+                    </a:ext>
+                  </a:extLst>
+                </a:gridCol>
+                <a:gridCol w="667967">
+                  <a:extLst>
+                    <a:ext uri="{9D8B030D-6E8A-4147-A177-3AD203B41FA5}">
+                      <a16:colId xmlns:a16="http://schemas.microsoft.com/office/drawing/2014/main" val="450050465"/>
+                    </a:ext>
+                  </a:extLst>
+                </a:gridCol>
+                <a:gridCol w="667967">
+                  <a:extLst>
+                    <a:ext uri="{9D8B030D-6E8A-4147-A177-3AD203B41FA5}">
+                      <a16:colId xmlns:a16="http://schemas.microsoft.com/office/drawing/2014/main" val="3625962731"/>
+                    </a:ext>
+                  </a:extLst>
+                </a:gridCol>
+              </a:tblGrid>
+              <a:tr h="0">
+                <a:tc>
+                  <a:txBody>
+                    <a:bodyPr/>
+                    <a:lstStyle/>
+                    <a:p>
+                      <a:pPr algn="ctr"/>
+                      <a:r>
+                        <a:rPr lang="en-US" altLang="zh-CN" sz="1200" dirty="0"/>
+                        <a:t>X</a:t>
+                      </a:r>
+                      <a:endParaRPr lang="zh-CN" altLang="en-US" sz="1200" dirty="0"/>
+                    </a:p>
+                  </a:txBody>
+                  <a:tcPr anchor="ctr"/>
+                </a:tc>
+                <a:tc>
+                  <a:txBody>
+                    <a:bodyPr/>
+                    <a:lstStyle/>
+                    <a:p>
+                      <a:pPr algn="ctr"/>
+                      <a:endParaRPr lang="zh-CN" altLang="en-US" sz="1200" dirty="0"/>
+                    </a:p>
+                  </a:txBody>
+                  <a:tcPr anchor="ctr"/>
+                </a:tc>
+                <a:tc>
+                  <a:txBody>
+                    <a:bodyPr/>
+                    <a:lstStyle/>
+                    <a:p>
+                      <a:pPr algn="ctr"/>
+                      <a:endParaRPr lang="zh-CN" altLang="en-US" sz="1200" dirty="0"/>
+                    </a:p>
+                  </a:txBody>
+                  <a:tcPr anchor="ctr"/>
+                </a:tc>
+                <a:tc>
+                  <a:txBody>
+                    <a:bodyPr/>
+                    <a:lstStyle/>
+                    <a:p>
+                      <a:pPr algn="ctr"/>
+                      <a:endParaRPr lang="zh-CN" altLang="en-US" sz="1200" dirty="0"/>
+                    </a:p>
+                  </a:txBody>
+                  <a:tcPr anchor="ctr"/>
+                </a:tc>
+                <a:tc>
+                  <a:txBody>
+                    <a:bodyPr/>
+                    <a:lstStyle/>
+                    <a:p>
+                      <a:pPr algn="ctr"/>
+                      <a:endParaRPr lang="zh-CN" altLang="en-US" sz="1200" dirty="0"/>
+                    </a:p>
+                  </a:txBody>
+                  <a:tcPr anchor="ctr"/>
+                </a:tc>
+                <a:tc>
+                  <a:txBody>
+                    <a:bodyPr/>
+                    <a:lstStyle/>
+                    <a:p>
+                      <a:pPr algn="ctr"/>
+                      <a:endParaRPr lang="zh-CN" altLang="en-US" sz="1200" dirty="0"/>
+                    </a:p>
+                  </a:txBody>
+                  <a:tcPr anchor="ctr"/>
+                </a:tc>
+                <a:tc>
+                  <a:txBody>
+                    <a:bodyPr/>
+                    <a:lstStyle/>
+                    <a:p>
+                      <a:pPr marL="0" marR="0" lvl="0" indent="0" algn="ctr" defTabSz="914400" rtl="0" eaLnBrk="1" fontAlgn="auto" latinLnBrk="0" hangingPunct="1">
+                        <a:lnSpc>
+                          <a:spcPct val="100000"/>
+                        </a:lnSpc>
+                        <a:spcBef>
+                          <a:spcPts val="0"/>
+                        </a:spcBef>
+                        <a:spcAft>
+                          <a:spcPts val="0"/>
+                        </a:spcAft>
+                        <a:buClrTx/>
+                        <a:buSzTx/>
+                        <a:buFontTx/>
+                        <a:buNone/>
+                        <a:tabLst/>
+                        <a:defRPr/>
+                      </a:pPr>
+                      <a:endParaRPr lang="zh-CN" altLang="en-US" sz="1200" dirty="0"/>
+                    </a:p>
+                  </a:txBody>
+                  <a:tcPr anchor="ctr"/>
+                </a:tc>
+                <a:tc>
+                  <a:txBody>
+                    <a:bodyPr/>
+                    <a:lstStyle/>
+                    <a:p>
+                      <a:pPr marL="0" marR="0" lvl="0" indent="0" algn="ctr" defTabSz="914400" rtl="0" eaLnBrk="1" fontAlgn="auto" latinLnBrk="0" hangingPunct="1">
+                        <a:lnSpc>
+                          <a:spcPct val="100000"/>
+                        </a:lnSpc>
+                        <a:spcBef>
+                          <a:spcPts val="0"/>
+                        </a:spcBef>
+                        <a:spcAft>
+                          <a:spcPts val="0"/>
+                        </a:spcAft>
+                        <a:buClrTx/>
+                        <a:buSzTx/>
+                        <a:buFontTx/>
+                        <a:buNone/>
+                        <a:tabLst/>
+                        <a:defRPr/>
+                      </a:pPr>
+                      <a:endParaRPr lang="zh-CN" altLang="en-US" sz="1200" dirty="0"/>
+                    </a:p>
+                  </a:txBody>
+                  <a:tcPr anchor="ctr"/>
+                </a:tc>
+                <a:tc>
+                  <a:txBody>
+                    <a:bodyPr/>
+                    <a:lstStyle/>
+                    <a:p>
+                      <a:pPr marL="0" marR="0" lvl="0" indent="0" algn="ctr" defTabSz="914400" rtl="0" eaLnBrk="1" fontAlgn="auto" latinLnBrk="0" hangingPunct="1">
+                        <a:lnSpc>
+                          <a:spcPct val="100000"/>
+                        </a:lnSpc>
+                        <a:spcBef>
+                          <a:spcPts val="0"/>
+                        </a:spcBef>
+                        <a:spcAft>
+                          <a:spcPts val="0"/>
+                        </a:spcAft>
+                        <a:buClrTx/>
+                        <a:buSzTx/>
+                        <a:buFontTx/>
+                        <a:buNone/>
+                        <a:tabLst/>
+                        <a:defRPr/>
+                      </a:pPr>
+                      <a:endParaRPr lang="zh-CN" altLang="en-US" sz="1200" dirty="0"/>
+                    </a:p>
+                  </a:txBody>
+                  <a:tcPr anchor="ctr"/>
+                </a:tc>
+                <a:tc>
+                  <a:txBody>
+                    <a:bodyPr/>
+                    <a:lstStyle/>
+                    <a:p>
+                      <a:pPr marL="0" marR="0" lvl="0" indent="0" algn="ctr" defTabSz="914400" rtl="0" eaLnBrk="1" fontAlgn="auto" latinLnBrk="0" hangingPunct="1">
+                        <a:lnSpc>
+                          <a:spcPct val="100000"/>
+                        </a:lnSpc>
+                        <a:spcBef>
+                          <a:spcPts val="0"/>
+                        </a:spcBef>
+                        <a:spcAft>
+                          <a:spcPts val="0"/>
+                        </a:spcAft>
+                        <a:buClrTx/>
+                        <a:buSzTx/>
+                        <a:buFontTx/>
+                        <a:buNone/>
+                        <a:tabLst/>
+                        <a:defRPr/>
+                      </a:pPr>
+                      <a:endParaRPr lang="zh-CN" altLang="en-US" sz="1200" dirty="0"/>
+                    </a:p>
+                  </a:txBody>
+                  <a:tcPr anchor="ctr"/>
+                </a:tc>
+                <a:tc>
+                  <a:txBody>
+                    <a:bodyPr/>
+                    <a:lstStyle/>
+                    <a:p>
+                      <a:pPr marL="0" marR="0" lvl="0" indent="0" algn="ctr" defTabSz="914400" rtl="0" eaLnBrk="1" fontAlgn="auto" latinLnBrk="0" hangingPunct="1">
+                        <a:lnSpc>
+                          <a:spcPct val="100000"/>
+                        </a:lnSpc>
+                        <a:spcBef>
+                          <a:spcPts val="0"/>
+                        </a:spcBef>
+                        <a:spcAft>
+                          <a:spcPts val="0"/>
+                        </a:spcAft>
+                        <a:buClrTx/>
+                        <a:buSzTx/>
+                        <a:buFontTx/>
+                        <a:buNone/>
+                        <a:tabLst/>
+                        <a:defRPr/>
+                      </a:pPr>
+                      <a:endParaRPr lang="zh-CN" altLang="en-US" sz="1200" dirty="0"/>
+                    </a:p>
+                  </a:txBody>
+                  <a:tcPr anchor="ctr"/>
+                </a:tc>
+                <a:tc>
+                  <a:txBody>
+                    <a:bodyPr/>
+                    <a:lstStyle/>
+                    <a:p>
+                      <a:pPr algn="ctr"/>
+                      <a:r>
+                        <a:rPr lang="en-US" altLang="zh-CN" sz="1200" dirty="0"/>
+                        <a:t>O</a:t>
+                      </a:r>
+                      <a:endParaRPr lang="zh-CN" altLang="en-US" sz="1200" dirty="0"/>
+                    </a:p>
+                  </a:txBody>
+                  <a:tcPr anchor="ctr"/>
+                </a:tc>
+                <a:tc>
+                  <a:txBody>
+                    <a:bodyPr/>
+                    <a:lstStyle/>
+                    <a:p>
+                      <a:pPr algn="ctr"/>
+                      <a:endParaRPr lang="zh-CN" altLang="en-US" sz="1200" dirty="0"/>
+                    </a:p>
+                  </a:txBody>
+                  <a:tcPr anchor="ctr"/>
+                </a:tc>
+                <a:tc>
+                  <a:txBody>
+                    <a:bodyPr/>
+                    <a:lstStyle/>
+                    <a:p>
+                      <a:pPr algn="ctr"/>
+                      <a:endParaRPr lang="zh-CN" altLang="en-US" sz="1200" dirty="0"/>
+                    </a:p>
+                  </a:txBody>
+                  <a:tcPr anchor="ctr"/>
+                </a:tc>
+                <a:tc>
+                  <a:txBody>
+                    <a:bodyPr/>
+                    <a:lstStyle/>
+                    <a:p>
+                      <a:pPr algn="ctr"/>
+                      <a:endParaRPr lang="zh-CN" altLang="en-US" sz="1200" dirty="0"/>
+                    </a:p>
+                  </a:txBody>
+                  <a:tcPr anchor="ctr"/>
+                </a:tc>
+                <a:tc>
+                  <a:txBody>
+                    <a:bodyPr/>
+                    <a:lstStyle/>
+                    <a:p>
+                      <a:pPr algn="ctr"/>
+                      <a:endParaRPr lang="zh-CN" altLang="en-US" sz="1200" dirty="0"/>
+                    </a:p>
+                  </a:txBody>
+                  <a:tcPr anchor="ctr"/>
+                </a:tc>
+                <a:tc>
+                  <a:txBody>
+                    <a:bodyPr/>
+                    <a:lstStyle/>
+                    <a:p>
+                      <a:pPr algn="ctr"/>
+                      <a:endParaRPr lang="zh-CN" altLang="en-US" sz="1200" dirty="0"/>
+                    </a:p>
+                  </a:txBody>
+                  <a:tcPr anchor="ctr"/>
+                </a:tc>
+                <a:tc>
+                  <a:txBody>
+                    <a:bodyPr/>
+                    <a:lstStyle/>
+                    <a:p>
+                      <a:pPr algn="ctr"/>
+                      <a:endParaRPr lang="zh-CN" altLang="en-US" sz="1200" dirty="0"/>
+                    </a:p>
+                  </a:txBody>
+                  <a:tcPr anchor="ctr"/>
+                </a:tc>
+                <a:extLst>
+                  <a:ext uri="{0D108BD9-81ED-4DB2-BD59-A6C34878D82A}">
+                    <a16:rowId xmlns:a16="http://schemas.microsoft.com/office/drawing/2014/main" val="1440160489"/>
+                  </a:ext>
+                </a:extLst>
+              </a:tr>
+              <a:tr h="0">
+                <a:tc>
+                  <a:txBody>
+                    <a:bodyPr/>
+                    <a:lstStyle/>
+                    <a:p>
+                      <a:pPr algn="ctr"/>
+                      <a:r>
+                        <a:rPr lang="zh-CN" altLang="en-US" sz="1200" dirty="0"/>
+                        <a:t>[</a:t>
+                      </a:r>
+                      <a:r>
+                        <a:rPr lang="en-US" altLang="zh-CN" sz="1200" dirty="0"/>
+                        <a:t>CLS</a:t>
+                      </a:r>
+                      <a:r>
+                        <a:rPr lang="zh-CN" altLang="en-US" sz="1200" dirty="0"/>
+                        <a:t>] </a:t>
+                      </a:r>
+                    </a:p>
+                  </a:txBody>
+                  <a:tcPr anchor="ctr"/>
+                </a:tc>
+                <a:tc>
+                  <a:txBody>
+                    <a:bodyPr/>
+                    <a:lstStyle/>
+                    <a:p>
+                      <a:pPr algn="ctr"/>
+                      <a:r>
+                        <a:rPr lang="zh-CN" altLang="en-US" sz="1200" dirty="0"/>
+                        <a:t>[</a:t>
+                      </a:r>
+                      <a:r>
+                        <a:rPr lang="en-US" altLang="zh-CN" sz="1200" dirty="0"/>
+                        <a:t>O</a:t>
+                      </a:r>
+                      <a:r>
+                        <a:rPr lang="en-US" altLang="zh-CN" sz="1000" dirty="0"/>
+                        <a:t>-ORG</a:t>
+                      </a:r>
+                      <a:r>
+                        <a:rPr lang="zh-CN" altLang="en-US" sz="1200" dirty="0"/>
+                        <a:t>] </a:t>
+                      </a:r>
+                    </a:p>
+                  </a:txBody>
+                  <a:tcPr anchor="ctr"/>
+                </a:tc>
+                <a:tc>
+                  <a:txBody>
+                    <a:bodyPr/>
+                    <a:lstStyle/>
+                    <a:p>
+                      <a:pPr algn="ctr"/>
+                      <a:r>
+                        <a:rPr lang="zh-CN" altLang="en-US" sz="1200" dirty="0"/>
+                        <a:t>是</a:t>
+                      </a:r>
+                    </a:p>
+                  </a:txBody>
+                  <a:tcPr anchor="ctr"/>
+                </a:tc>
+                <a:tc>
+                  <a:txBody>
+                    <a:bodyPr/>
+                    <a:lstStyle/>
+                    <a:p>
+                      <a:pPr algn="ctr"/>
+                      <a:r>
+                        <a:rPr lang="zh-CN" altLang="en-US" sz="1200" dirty="0"/>
+                        <a:t>一</a:t>
+                      </a:r>
+                    </a:p>
+                  </a:txBody>
+                  <a:tcPr anchor="ctr"/>
+                </a:tc>
+                <a:tc>
+                  <a:txBody>
+                    <a:bodyPr/>
+                    <a:lstStyle/>
+                    <a:p>
+                      <a:pPr algn="ctr"/>
+                      <a:r>
+                        <a:rPr lang="zh-CN" altLang="en-US" sz="1200" dirty="0"/>
+                        <a:t>所</a:t>
+                      </a:r>
+                    </a:p>
+                  </a:txBody>
+                  <a:tcPr anchor="ctr"/>
+                </a:tc>
+                <a:tc>
+                  <a:txBody>
+                    <a:bodyPr/>
+                    <a:lstStyle/>
+                    <a:p>
+                      <a:pPr algn="ctr"/>
+                      <a:r>
+                        <a:rPr lang="zh-CN" altLang="en-US" sz="1200" dirty="0"/>
+                        <a:t>电</a:t>
+                      </a:r>
+                    </a:p>
+                  </a:txBody>
+                  <a:tcPr anchor="ctr"/>
+                </a:tc>
+                <a:tc>
+                  <a:txBody>
+                    <a:bodyPr/>
+                    <a:lstStyle/>
+                    <a:p>
+                      <a:pPr algn="ctr"/>
+                      <a:r>
+                        <a:rPr lang="zh-CN" altLang="en-US" sz="1200" dirty="0"/>
+                        <a:t>子</a:t>
+                      </a:r>
+                    </a:p>
+                  </a:txBody>
+                  <a:tcPr anchor="ctr"/>
+                </a:tc>
+                <a:tc>
+                  <a:txBody>
+                    <a:bodyPr/>
+                    <a:lstStyle/>
+                    <a:p>
+                      <a:pPr algn="ctr"/>
+                      <a:r>
+                        <a:rPr lang="zh-CN" altLang="en-US" sz="1200" dirty="0"/>
+                        <a:t>商</a:t>
+                      </a:r>
+                    </a:p>
+                  </a:txBody>
+                  <a:tcPr anchor="ctr"/>
+                </a:tc>
+                <a:tc>
+                  <a:txBody>
+                    <a:bodyPr/>
+                    <a:lstStyle/>
+                    <a:p>
+                      <a:pPr algn="ctr"/>
+                      <a:r>
+                        <a:rPr lang="zh-CN" altLang="en-US" sz="1200" dirty="0"/>
+                        <a:t>务</a:t>
+                      </a:r>
+                    </a:p>
+                  </a:txBody>
+                  <a:tcPr anchor="ctr"/>
+                </a:tc>
+                <a:tc>
+                  <a:txBody>
+                    <a:bodyPr/>
+                    <a:lstStyle/>
+                    <a:p>
+                      <a:pPr algn="ctr"/>
+                      <a:r>
+                        <a:rPr lang="zh-CN" altLang="en-US" sz="1200" dirty="0"/>
+                        <a:t>公</a:t>
+                      </a:r>
+                    </a:p>
+                  </a:txBody>
+                  <a:tcPr anchor="ctr"/>
+                </a:tc>
+                <a:tc>
+                  <a:txBody>
+                    <a:bodyPr/>
+                    <a:lstStyle/>
+                    <a:p>
+                      <a:pPr algn="ctr"/>
+                      <a:r>
+                        <a:rPr lang="zh-CN" altLang="en-US" sz="1200" dirty="0"/>
+                        <a:t>司</a:t>
+                      </a:r>
+                    </a:p>
+                  </a:txBody>
+                  <a:tcPr anchor="ctr"/>
+                </a:tc>
+                <a:tc>
+                  <a:txBody>
+                    <a:bodyPr/>
+                    <a:lstStyle/>
+                    <a:p>
+                      <a:pPr algn="ctr"/>
+                      <a:r>
+                        <a:rPr lang="zh-CN" altLang="en-US" sz="1200" dirty="0"/>
+                        <a:t>[</a:t>
+                      </a:r>
+                      <a:r>
+                        <a:rPr lang="en-US" altLang="zh-CN" sz="1200" dirty="0"/>
+                        <a:t>CLS</a:t>
+                      </a:r>
+                      <a:r>
+                        <a:rPr lang="zh-CN" altLang="en-US" sz="1200" dirty="0"/>
+                        <a:t>] </a:t>
+                      </a:r>
+                    </a:p>
+                  </a:txBody>
+                  <a:tcPr anchor="ctr"/>
+                </a:tc>
+                <a:tc>
+                  <a:txBody>
+                    <a:bodyPr/>
+                    <a:lstStyle/>
+                    <a:p>
+                      <a:pPr algn="ctr"/>
+                      <a:r>
+                        <a:rPr lang="zh-CN" altLang="en-US" sz="1200" dirty="0"/>
+                        <a:t>其</a:t>
+                      </a:r>
+                    </a:p>
+                  </a:txBody>
+                  <a:tcPr anchor="ctr"/>
+                </a:tc>
+                <a:tc>
+                  <a:txBody>
+                    <a:bodyPr/>
+                    <a:lstStyle/>
+                    <a:p>
+                      <a:pPr algn="ctr"/>
+                      <a:r>
+                        <a:rPr lang="zh-CN" altLang="en-US" sz="1200" dirty="0"/>
+                        <a:t>股</a:t>
+                      </a:r>
+                    </a:p>
+                  </a:txBody>
+                  <a:tcPr anchor="ctr"/>
+                </a:tc>
+                <a:tc>
+                  <a:txBody>
+                    <a:bodyPr/>
+                    <a:lstStyle/>
+                    <a:p>
+                      <a:pPr algn="ctr"/>
+                      <a:r>
+                        <a:rPr lang="zh-CN" altLang="en-US" sz="1200" dirty="0"/>
+                        <a:t>东</a:t>
+                      </a:r>
+                    </a:p>
+                  </a:txBody>
+                  <a:tcPr anchor="ctr"/>
+                </a:tc>
+                <a:tc>
+                  <a:txBody>
+                    <a:bodyPr/>
+                    <a:lstStyle/>
+                    <a:p>
+                      <a:pPr algn="ctr"/>
+                      <a:r>
+                        <a:rPr lang="zh-CN" altLang="en-US" sz="1200" dirty="0"/>
+                        <a:t>之</a:t>
+                      </a:r>
+                    </a:p>
+                  </a:txBody>
+                  <a:tcPr anchor="ctr"/>
+                </a:tc>
+                <a:tc>
+                  <a:txBody>
+                    <a:bodyPr/>
+                    <a:lstStyle/>
+                    <a:p>
+                      <a:pPr algn="ctr"/>
+                      <a:r>
+                        <a:rPr lang="zh-CN" altLang="en-US" sz="1200" dirty="0"/>
+                        <a:t>一</a:t>
+                      </a:r>
+                    </a:p>
+                  </a:txBody>
+                  <a:tcPr anchor="ctr"/>
+                </a:tc>
+                <a:tc>
+                  <a:txBody>
+                    <a:bodyPr/>
+                    <a:lstStyle/>
+                    <a:p>
+                      <a:pPr algn="ctr"/>
+                      <a:r>
+                        <a:rPr lang="zh-CN" altLang="en-US" sz="1200" dirty="0"/>
+                        <a:t>[</a:t>
+                      </a:r>
+                      <a:r>
+                        <a:rPr lang="en-US" altLang="zh-CN" sz="1200" dirty="0"/>
+                        <a:t>S</a:t>
+                      </a:r>
+                      <a:r>
+                        <a:rPr lang="en-US" altLang="zh-CN" sz="1000" dirty="0"/>
+                        <a:t>-PER</a:t>
+                      </a:r>
+                      <a:r>
+                        <a:rPr lang="en-US" altLang="zh-CN" sz="1200" dirty="0"/>
+                        <a:t>]</a:t>
+                      </a:r>
+                      <a:endParaRPr lang="zh-CN" altLang="en-US" sz="1200" dirty="0"/>
+                    </a:p>
+                  </a:txBody>
+                  <a:tcPr anchor="ctr"/>
+                </a:tc>
+                <a:extLst>
+                  <a:ext uri="{0D108BD9-81ED-4DB2-BD59-A6C34878D82A}">
+                    <a16:rowId xmlns:a16="http://schemas.microsoft.com/office/drawing/2014/main" val="1722857272"/>
+                  </a:ext>
+                </a:extLst>
+              </a:tr>
+            </a:tbl>
+          </a:graphicData>
+        </a:graphic>
+      </p:graphicFrame>
+      <p:graphicFrame>
+        <p:nvGraphicFramePr>
+          <p:cNvPr id="5" name="表格 14">
+            <a:extLst>
+              <a:ext uri="{FF2B5EF4-FFF2-40B4-BE49-F238E27FC236}">
+                <a16:creationId xmlns:a16="http://schemas.microsoft.com/office/drawing/2014/main" id="{A106E72F-7C62-4523-814A-D705A171433E}"/>
+              </a:ext>
+            </a:extLst>
+          </p:cNvPr>
+          <p:cNvGraphicFramePr>
+            <a:graphicFrameLocks noGrp="1"/>
+          </p:cNvGraphicFramePr>
+          <p:nvPr>
+            <p:extLst>
+              <p:ext uri="{D42A27DB-BD31-4B8C-83A1-F6EECF244321}">
+                <p14:modId xmlns:p14="http://schemas.microsoft.com/office/powerpoint/2010/main" val="1302985185"/>
+              </p:ext>
+            </p:extLst>
+          </p:nvPr>
+        </p:nvGraphicFramePr>
+        <p:xfrm>
+          <a:off x="77814" y="4117957"/>
+          <a:ext cx="12023406" cy="548640"/>
+        </p:xfrm>
+        <a:graphic>
+          <a:graphicData uri="http://schemas.openxmlformats.org/drawingml/2006/table">
+            <a:tbl>
+              <a:tblPr firstRow="1" bandRow="1">
+                <a:tableStyleId>{ED083AE6-46FA-4A59-8FB0-9F97EB10719F}</a:tableStyleId>
+              </a:tblPr>
+              <a:tblGrid>
+                <a:gridCol w="667967">
+                  <a:extLst>
+                    <a:ext uri="{9D8B030D-6E8A-4147-A177-3AD203B41FA5}">
+                      <a16:colId xmlns:a16="http://schemas.microsoft.com/office/drawing/2014/main" val="177568769"/>
+                    </a:ext>
+                  </a:extLst>
+                </a:gridCol>
+                <a:gridCol w="667967">
+                  <a:extLst>
+                    <a:ext uri="{9D8B030D-6E8A-4147-A177-3AD203B41FA5}">
+                      <a16:colId xmlns:a16="http://schemas.microsoft.com/office/drawing/2014/main" val="2063715131"/>
+                    </a:ext>
+                  </a:extLst>
+                </a:gridCol>
+                <a:gridCol w="667967">
+                  <a:extLst>
+                    <a:ext uri="{9D8B030D-6E8A-4147-A177-3AD203B41FA5}">
+                      <a16:colId xmlns:a16="http://schemas.microsoft.com/office/drawing/2014/main" val="4268594989"/>
+                    </a:ext>
+                  </a:extLst>
+                </a:gridCol>
+                <a:gridCol w="667967">
+                  <a:extLst>
+                    <a:ext uri="{9D8B030D-6E8A-4147-A177-3AD203B41FA5}">
+                      <a16:colId xmlns:a16="http://schemas.microsoft.com/office/drawing/2014/main" val="2472840813"/>
+                    </a:ext>
+                  </a:extLst>
+                </a:gridCol>
+                <a:gridCol w="667967">
+                  <a:extLst>
+                    <a:ext uri="{9D8B030D-6E8A-4147-A177-3AD203B41FA5}">
+                      <a16:colId xmlns:a16="http://schemas.microsoft.com/office/drawing/2014/main" val="1581766430"/>
+                    </a:ext>
+                  </a:extLst>
+                </a:gridCol>
+                <a:gridCol w="667967">
+                  <a:extLst>
+                    <a:ext uri="{9D8B030D-6E8A-4147-A177-3AD203B41FA5}">
+                      <a16:colId xmlns:a16="http://schemas.microsoft.com/office/drawing/2014/main" val="1733685783"/>
+                    </a:ext>
+                  </a:extLst>
+                </a:gridCol>
+                <a:gridCol w="667967">
+                  <a:extLst>
+                    <a:ext uri="{9D8B030D-6E8A-4147-A177-3AD203B41FA5}">
+                      <a16:colId xmlns:a16="http://schemas.microsoft.com/office/drawing/2014/main" val="1934503964"/>
+                    </a:ext>
+                  </a:extLst>
+                </a:gridCol>
+                <a:gridCol w="667967">
+                  <a:extLst>
+                    <a:ext uri="{9D8B030D-6E8A-4147-A177-3AD203B41FA5}">
+                      <a16:colId xmlns:a16="http://schemas.microsoft.com/office/drawing/2014/main" val="3303510529"/>
+                    </a:ext>
+                  </a:extLst>
+                </a:gridCol>
+                <a:gridCol w="667967">
+                  <a:extLst>
+                    <a:ext uri="{9D8B030D-6E8A-4147-A177-3AD203B41FA5}">
+                      <a16:colId xmlns:a16="http://schemas.microsoft.com/office/drawing/2014/main" val="2608640276"/>
+                    </a:ext>
+                  </a:extLst>
+                </a:gridCol>
+                <a:gridCol w="667967">
+                  <a:extLst>
+                    <a:ext uri="{9D8B030D-6E8A-4147-A177-3AD203B41FA5}">
+                      <a16:colId xmlns:a16="http://schemas.microsoft.com/office/drawing/2014/main" val="1057100303"/>
+                    </a:ext>
+                  </a:extLst>
+                </a:gridCol>
+                <a:gridCol w="667967">
+                  <a:extLst>
+                    <a:ext uri="{9D8B030D-6E8A-4147-A177-3AD203B41FA5}">
+                      <a16:colId xmlns:a16="http://schemas.microsoft.com/office/drawing/2014/main" val="160468595"/>
+                    </a:ext>
+                  </a:extLst>
+                </a:gridCol>
+                <a:gridCol w="667967">
+                  <a:extLst>
+                    <a:ext uri="{9D8B030D-6E8A-4147-A177-3AD203B41FA5}">
+                      <a16:colId xmlns:a16="http://schemas.microsoft.com/office/drawing/2014/main" val="6422287"/>
+                    </a:ext>
+                  </a:extLst>
+                </a:gridCol>
+                <a:gridCol w="667967">
+                  <a:extLst>
+                    <a:ext uri="{9D8B030D-6E8A-4147-A177-3AD203B41FA5}">
+                      <a16:colId xmlns:a16="http://schemas.microsoft.com/office/drawing/2014/main" val="1509350863"/>
+                    </a:ext>
+                  </a:extLst>
+                </a:gridCol>
+                <a:gridCol w="667967">
+                  <a:extLst>
+                    <a:ext uri="{9D8B030D-6E8A-4147-A177-3AD203B41FA5}">
+                      <a16:colId xmlns:a16="http://schemas.microsoft.com/office/drawing/2014/main" val="971772129"/>
+                    </a:ext>
+                  </a:extLst>
+                </a:gridCol>
+                <a:gridCol w="667967">
+                  <a:extLst>
+                    <a:ext uri="{9D8B030D-6E8A-4147-A177-3AD203B41FA5}">
+                      <a16:colId xmlns:a16="http://schemas.microsoft.com/office/drawing/2014/main" val="2355472672"/>
+                    </a:ext>
+                  </a:extLst>
+                </a:gridCol>
+                <a:gridCol w="667967">
+                  <a:extLst>
+                    <a:ext uri="{9D8B030D-6E8A-4147-A177-3AD203B41FA5}">
+                      <a16:colId xmlns:a16="http://schemas.microsoft.com/office/drawing/2014/main" val="1540054836"/>
+                    </a:ext>
+                  </a:extLst>
+                </a:gridCol>
+                <a:gridCol w="667967">
+                  <a:extLst>
+                    <a:ext uri="{9D8B030D-6E8A-4147-A177-3AD203B41FA5}">
+                      <a16:colId xmlns:a16="http://schemas.microsoft.com/office/drawing/2014/main" val="450050465"/>
+                    </a:ext>
+                  </a:extLst>
+                </a:gridCol>
+                <a:gridCol w="667967">
+                  <a:extLst>
+                    <a:ext uri="{9D8B030D-6E8A-4147-A177-3AD203B41FA5}">
+                      <a16:colId xmlns:a16="http://schemas.microsoft.com/office/drawing/2014/main" val="3625962731"/>
+                    </a:ext>
+                  </a:extLst>
+                </a:gridCol>
+              </a:tblGrid>
+              <a:tr h="122252">
+                <a:tc>
+                  <a:txBody>
+                    <a:bodyPr/>
+                    <a:lstStyle/>
+                    <a:p>
+                      <a:pPr algn="ctr"/>
+                      <a:endParaRPr lang="zh-CN" altLang="en-US" sz="1200" dirty="0"/>
+                    </a:p>
+                  </a:txBody>
+                  <a:tcPr anchor="ctr"/>
+                </a:tc>
+                <a:tc>
+                  <a:txBody>
+                    <a:bodyPr/>
+                    <a:lstStyle/>
+                    <a:p>
+                      <a:pPr algn="ctr"/>
+                      <a:endParaRPr lang="zh-CN" altLang="en-US" sz="1200" dirty="0"/>
+                    </a:p>
+                  </a:txBody>
+                  <a:tcPr anchor="ctr"/>
+                </a:tc>
+                <a:tc>
+                  <a:txBody>
+                    <a:bodyPr/>
+                    <a:lstStyle/>
+                    <a:p>
+                      <a:pPr algn="ctr"/>
+                      <a:endParaRPr lang="zh-CN" altLang="en-US" sz="1200" dirty="0"/>
+                    </a:p>
+                  </a:txBody>
+                  <a:tcPr anchor="ctr"/>
+                </a:tc>
+                <a:tc>
+                  <a:txBody>
+                    <a:bodyPr/>
+                    <a:lstStyle/>
+                    <a:p>
+                      <a:pPr algn="ctr"/>
+                      <a:endParaRPr lang="zh-CN" altLang="en-US" sz="1200" dirty="0"/>
+                    </a:p>
+                  </a:txBody>
+                  <a:tcPr anchor="ctr"/>
+                </a:tc>
+                <a:tc>
+                  <a:txBody>
+                    <a:bodyPr/>
+                    <a:lstStyle/>
+                    <a:p>
+                      <a:pPr marL="0" marR="0" lvl="0" indent="0" algn="ctr" defTabSz="914400" rtl="0" eaLnBrk="1" fontAlgn="auto" latinLnBrk="0" hangingPunct="1">
+                        <a:lnSpc>
+                          <a:spcPct val="100000"/>
+                        </a:lnSpc>
+                        <a:spcBef>
+                          <a:spcPts val="0"/>
+                        </a:spcBef>
+                        <a:spcAft>
+                          <a:spcPts val="0"/>
+                        </a:spcAft>
+                        <a:buClrTx/>
+                        <a:buSzTx/>
+                        <a:buFontTx/>
+                        <a:buNone/>
+                        <a:tabLst/>
+                        <a:defRPr/>
+                      </a:pPr>
+                      <a:endParaRPr lang="zh-CN" altLang="en-US" sz="1200" dirty="0"/>
+                    </a:p>
+                  </a:txBody>
+                  <a:tcPr anchor="ctr"/>
+                </a:tc>
+                <a:tc>
+                  <a:txBody>
+                    <a:bodyPr/>
+                    <a:lstStyle/>
+                    <a:p>
+                      <a:pPr marL="0" marR="0" lvl="0" indent="0" algn="ctr" defTabSz="914400" rtl="0" eaLnBrk="1" fontAlgn="auto" latinLnBrk="0" hangingPunct="1">
+                        <a:lnSpc>
+                          <a:spcPct val="100000"/>
+                        </a:lnSpc>
+                        <a:spcBef>
+                          <a:spcPts val="0"/>
+                        </a:spcBef>
+                        <a:spcAft>
+                          <a:spcPts val="0"/>
+                        </a:spcAft>
+                        <a:buClrTx/>
+                        <a:buSzTx/>
+                        <a:buFontTx/>
+                        <a:buNone/>
+                        <a:tabLst/>
+                        <a:defRPr/>
+                      </a:pPr>
+                      <a:endParaRPr lang="zh-CN" altLang="en-US" sz="1200" dirty="0"/>
+                    </a:p>
+                  </a:txBody>
+                  <a:tcPr anchor="ctr"/>
+                </a:tc>
+                <a:tc>
+                  <a:txBody>
+                    <a:bodyPr/>
+                    <a:lstStyle/>
+                    <a:p>
+                      <a:pPr marL="0" marR="0" lvl="0" indent="0" algn="ctr" defTabSz="914400" rtl="0" eaLnBrk="1" fontAlgn="auto" latinLnBrk="0" hangingPunct="1">
+                        <a:lnSpc>
+                          <a:spcPct val="100000"/>
+                        </a:lnSpc>
+                        <a:spcBef>
+                          <a:spcPts val="0"/>
+                        </a:spcBef>
+                        <a:spcAft>
+                          <a:spcPts val="0"/>
+                        </a:spcAft>
+                        <a:buClrTx/>
+                        <a:buSzTx/>
+                        <a:buFontTx/>
+                        <a:buNone/>
+                        <a:tabLst/>
+                        <a:defRPr/>
+                      </a:pPr>
+                      <a:endParaRPr lang="zh-CN" altLang="en-US" sz="1200" dirty="0"/>
+                    </a:p>
+                  </a:txBody>
+                  <a:tcPr anchor="ctr"/>
+                </a:tc>
+                <a:tc>
+                  <a:txBody>
+                    <a:bodyPr/>
+                    <a:lstStyle/>
+                    <a:p>
+                      <a:pPr marL="0" marR="0" lvl="0" indent="0" algn="ctr" defTabSz="914400" rtl="0" eaLnBrk="1" fontAlgn="auto" latinLnBrk="0" hangingPunct="1">
+                        <a:lnSpc>
+                          <a:spcPct val="100000"/>
+                        </a:lnSpc>
+                        <a:spcBef>
+                          <a:spcPts val="0"/>
+                        </a:spcBef>
+                        <a:spcAft>
+                          <a:spcPts val="0"/>
+                        </a:spcAft>
+                        <a:buClrTx/>
+                        <a:buSzTx/>
+                        <a:buFontTx/>
+                        <a:buNone/>
+                        <a:tabLst/>
+                        <a:defRPr/>
+                      </a:pPr>
+                      <a:endParaRPr lang="zh-CN" altLang="en-US" sz="1200" dirty="0"/>
+                    </a:p>
+                  </a:txBody>
+                  <a:tcPr anchor="ctr"/>
+                </a:tc>
+                <a:tc>
+                  <a:txBody>
+                    <a:bodyPr/>
+                    <a:lstStyle/>
+                    <a:p>
+                      <a:pPr marL="0" marR="0" lvl="0" indent="0" algn="ctr" defTabSz="914400" rtl="0" eaLnBrk="1" fontAlgn="auto" latinLnBrk="0" hangingPunct="1">
+                        <a:lnSpc>
+                          <a:spcPct val="100000"/>
+                        </a:lnSpc>
+                        <a:spcBef>
+                          <a:spcPts val="0"/>
+                        </a:spcBef>
+                        <a:spcAft>
+                          <a:spcPts val="0"/>
+                        </a:spcAft>
+                        <a:buClrTx/>
+                        <a:buSzTx/>
+                        <a:buFontTx/>
+                        <a:buNone/>
+                        <a:tabLst/>
+                        <a:defRPr/>
+                      </a:pPr>
+                      <a:endParaRPr lang="zh-CN" altLang="en-US" sz="1200" dirty="0"/>
+                    </a:p>
+                  </a:txBody>
+                  <a:tcPr anchor="ctr"/>
+                </a:tc>
+                <a:tc>
+                  <a:txBody>
+                    <a:bodyPr/>
+                    <a:lstStyle/>
+                    <a:p>
+                      <a:pPr algn="ctr"/>
+                      <a:r>
+                        <a:rPr lang="en-US" altLang="zh-CN" sz="1200" dirty="0"/>
+                        <a:t>S</a:t>
+                      </a:r>
+                      <a:endParaRPr lang="zh-CN" altLang="en-US" sz="1200" dirty="0"/>
+                    </a:p>
+                  </a:txBody>
+                  <a:tcPr anchor="ctr"/>
+                </a:tc>
+                <a:tc>
+                  <a:txBody>
+                    <a:bodyPr/>
+                    <a:lstStyle/>
+                    <a:p>
+                      <a:pPr algn="ctr"/>
+                      <a:endParaRPr lang="zh-CN" altLang="en-US" sz="1200" dirty="0"/>
+                    </a:p>
+                  </a:txBody>
+                  <a:tcPr anchor="ctr"/>
+                </a:tc>
+                <a:tc>
+                  <a:txBody>
+                    <a:bodyPr/>
+                    <a:lstStyle/>
+                    <a:p>
+                      <a:pPr algn="ctr"/>
+                      <a:endParaRPr lang="zh-CN" altLang="en-US" sz="1200" dirty="0"/>
+                    </a:p>
+                  </a:txBody>
+                  <a:tcPr anchor="ctr"/>
+                </a:tc>
+                <a:tc>
+                  <a:txBody>
+                    <a:bodyPr/>
+                    <a:lstStyle/>
+                    <a:p>
+                      <a:pPr algn="ctr"/>
+                      <a:endParaRPr lang="zh-CN" altLang="en-US" sz="1200" dirty="0"/>
+                    </a:p>
+                  </a:txBody>
+                  <a:tcPr anchor="ctr"/>
+                </a:tc>
+                <a:tc>
+                  <a:txBody>
+                    <a:bodyPr/>
+                    <a:lstStyle/>
+                    <a:p>
+                      <a:pPr algn="ctr"/>
+                      <a:endParaRPr lang="zh-CN" altLang="en-US" sz="1200" dirty="0"/>
+                    </a:p>
+                  </a:txBody>
+                  <a:tcPr anchor="ctr"/>
+                </a:tc>
+                <a:tc>
+                  <a:txBody>
+                    <a:bodyPr/>
+                    <a:lstStyle/>
+                    <a:p>
+                      <a:pPr algn="ctr"/>
+                      <a:endParaRPr lang="zh-CN" altLang="en-US" sz="1200" dirty="0"/>
+                    </a:p>
+                  </a:txBody>
+                  <a:tcPr anchor="ctr"/>
+                </a:tc>
+                <a:tc>
+                  <a:txBody>
+                    <a:bodyPr/>
+                    <a:lstStyle/>
+                    <a:p>
+                      <a:pPr algn="ctr"/>
+                      <a:endParaRPr lang="zh-CN" altLang="en-US" sz="1200" dirty="0"/>
+                    </a:p>
+                  </a:txBody>
+                  <a:tcPr anchor="ctr"/>
+                </a:tc>
+                <a:tc>
+                  <a:txBody>
+                    <a:bodyPr/>
+                    <a:lstStyle/>
+                    <a:p>
+                      <a:pPr algn="ctr"/>
+                      <a:endParaRPr lang="zh-CN" altLang="en-US" sz="1200" dirty="0"/>
+                    </a:p>
+                  </a:txBody>
+                  <a:tcPr anchor="ctr"/>
+                </a:tc>
+                <a:tc>
+                  <a:txBody>
+                    <a:bodyPr/>
+                    <a:lstStyle/>
+                    <a:p>
+                      <a:pPr algn="ctr"/>
+                      <a:r>
+                        <a:rPr lang="en-US" altLang="zh-CN" sz="1200" dirty="0"/>
+                        <a:t>P</a:t>
+                      </a:r>
+                      <a:endParaRPr lang="zh-CN" altLang="en-US" sz="1200" dirty="0"/>
+                    </a:p>
+                  </a:txBody>
+                  <a:tcPr anchor="ctr"/>
+                </a:tc>
+                <a:extLst>
+                  <a:ext uri="{0D108BD9-81ED-4DB2-BD59-A6C34878D82A}">
+                    <a16:rowId xmlns:a16="http://schemas.microsoft.com/office/drawing/2014/main" val="1440160489"/>
+                  </a:ext>
+                </a:extLst>
+              </a:tr>
+              <a:tr h="0">
+                <a:tc>
+                  <a:txBody>
+                    <a:bodyPr/>
+                    <a:lstStyle/>
+                    <a:p>
+                      <a:pPr algn="ctr"/>
+                      <a:r>
+                        <a:rPr lang="zh-CN" altLang="en-US" sz="1200" dirty="0"/>
+                        <a:t>曾 </a:t>
+                      </a:r>
+                    </a:p>
+                  </a:txBody>
+                  <a:tcPr anchor="ctr"/>
+                </a:tc>
+                <a:tc>
+                  <a:txBody>
+                    <a:bodyPr/>
+                    <a:lstStyle/>
+                    <a:p>
+                      <a:pPr algn="ctr"/>
+                      <a:r>
+                        <a:rPr lang="zh-CN" altLang="en-US" sz="1200" dirty="0"/>
+                        <a:t>经</a:t>
+                      </a:r>
+                    </a:p>
+                  </a:txBody>
+                  <a:tcPr anchor="ctr"/>
+                </a:tc>
+                <a:tc>
+                  <a:txBody>
+                    <a:bodyPr/>
+                    <a:lstStyle/>
+                    <a:p>
+                      <a:pPr algn="ctr"/>
+                      <a:r>
+                        <a:rPr lang="zh-CN" altLang="en-US" sz="1200" dirty="0"/>
+                        <a:t>是</a:t>
+                      </a:r>
+                    </a:p>
+                  </a:txBody>
+                  <a:tcPr anchor="ctr"/>
+                </a:tc>
+                <a:tc>
+                  <a:txBody>
+                    <a:bodyPr/>
+                    <a:lstStyle/>
+                    <a:p>
+                      <a:pPr algn="ctr"/>
+                      <a:r>
+                        <a:rPr lang="zh-CN" altLang="en-US" sz="1200" dirty="0"/>
+                        <a:t>一</a:t>
+                      </a:r>
+                    </a:p>
+                  </a:txBody>
+                  <a:tcPr anchor="ctr"/>
+                </a:tc>
+                <a:tc>
+                  <a:txBody>
+                    <a:bodyPr/>
+                    <a:lstStyle/>
+                    <a:p>
+                      <a:pPr algn="ctr"/>
+                      <a:r>
+                        <a:rPr lang="zh-CN" altLang="en-US" sz="1200" dirty="0"/>
+                        <a:t>名</a:t>
+                      </a:r>
+                    </a:p>
+                  </a:txBody>
+                  <a:tcPr anchor="ctr"/>
+                </a:tc>
+                <a:tc>
+                  <a:txBody>
+                    <a:bodyPr/>
+                    <a:lstStyle/>
+                    <a:p>
+                      <a:pPr algn="ctr"/>
+                      <a:r>
+                        <a:rPr lang="zh-CN" altLang="en-US" sz="1200" dirty="0"/>
+                        <a:t>英</a:t>
+                      </a:r>
+                    </a:p>
+                  </a:txBody>
+                  <a:tcPr anchor="ctr"/>
+                </a:tc>
+                <a:tc>
+                  <a:txBody>
+                    <a:bodyPr/>
+                    <a:lstStyle/>
+                    <a:p>
+                      <a:pPr algn="ctr"/>
+                      <a:r>
+                        <a:rPr lang="zh-CN" altLang="en-US" sz="1200" dirty="0"/>
+                        <a:t>语</a:t>
+                      </a:r>
+                    </a:p>
+                  </a:txBody>
+                  <a:tcPr anchor="ctr"/>
+                </a:tc>
+                <a:tc>
+                  <a:txBody>
+                    <a:bodyPr/>
+                    <a:lstStyle/>
+                    <a:p>
+                      <a:pPr algn="ctr"/>
+                      <a:r>
+                        <a:rPr lang="zh-CN" altLang="en-US" sz="1200" dirty="0"/>
+                        <a:t>教</a:t>
+                      </a:r>
+                    </a:p>
+                  </a:txBody>
+                  <a:tcPr anchor="ctr"/>
+                </a:tc>
+                <a:tc>
+                  <a:txBody>
+                    <a:bodyPr/>
+                    <a:lstStyle/>
+                    <a:p>
+                      <a:pPr algn="ctr"/>
+                      <a:r>
+                        <a:rPr lang="zh-CN" altLang="en-US" sz="1200" dirty="0"/>
+                        <a:t>师</a:t>
+                      </a:r>
+                    </a:p>
+                  </a:txBody>
+                  <a:tcPr anchor="ctr"/>
+                </a:tc>
+                <a:tc>
+                  <a:txBody>
+                    <a:bodyPr/>
+                    <a:lstStyle/>
+                    <a:p>
+                      <a:pPr algn="ctr"/>
+                      <a:r>
+                        <a:rPr lang="zh-CN" altLang="en-US" sz="1200" dirty="0"/>
+                        <a:t>[</a:t>
+                      </a:r>
+                      <a:r>
+                        <a:rPr lang="en-US" altLang="zh-CN" sz="1200" dirty="0"/>
+                        <a:t>CLS</a:t>
+                      </a:r>
+                      <a:r>
+                        <a:rPr lang="zh-CN" altLang="en-US" sz="1200" dirty="0"/>
+                        <a:t>] </a:t>
+                      </a:r>
+                    </a:p>
+                  </a:txBody>
+                  <a:tcPr anchor="ctr"/>
+                </a:tc>
+                <a:tc>
+                  <a:txBody>
+                    <a:bodyPr/>
+                    <a:lstStyle/>
+                    <a:p>
+                      <a:pPr algn="ctr"/>
+                      <a:r>
+                        <a:rPr lang="zh-CN" altLang="en-US" sz="1200" dirty="0"/>
+                        <a:t>占</a:t>
+                      </a:r>
+                    </a:p>
+                  </a:txBody>
+                  <a:tcPr anchor="ctr"/>
+                </a:tc>
+                <a:tc>
+                  <a:txBody>
+                    <a:bodyPr/>
+                    <a:lstStyle/>
+                    <a:p>
+                      <a:pPr algn="ctr"/>
+                      <a:r>
+                        <a:rPr lang="zh-CN" altLang="en-US" sz="1200" dirty="0"/>
+                        <a:t>股</a:t>
+                      </a:r>
+                    </a:p>
+                  </a:txBody>
+                  <a:tcPr anchor="ctr"/>
+                </a:tc>
+                <a:tc>
+                  <a:txBody>
+                    <a:bodyPr/>
+                    <a:lstStyle/>
+                    <a:p>
+                      <a:pPr algn="ctr"/>
+                      <a:r>
+                        <a:rPr lang="zh-CN" altLang="en-US" sz="1200" dirty="0"/>
+                        <a:t>约</a:t>
+                      </a:r>
+                    </a:p>
+                  </a:txBody>
+                  <a:tcPr anchor="ctr"/>
+                </a:tc>
+                <a:tc>
+                  <a:txBody>
+                    <a:bodyPr/>
+                    <a:lstStyle/>
+                    <a:p>
+                      <a:pPr algn="ctr"/>
+                      <a:r>
+                        <a:rPr lang="en-US" altLang="zh-CN" sz="1200" dirty="0"/>
+                        <a:t>7</a:t>
+                      </a:r>
+                      <a:endParaRPr lang="zh-CN" altLang="en-US" sz="1200" dirty="0"/>
+                    </a:p>
+                  </a:txBody>
+                  <a:tcPr anchor="ctr"/>
+                </a:tc>
+                <a:tc>
+                  <a:txBody>
+                    <a:bodyPr/>
+                    <a:lstStyle/>
+                    <a:p>
+                      <a:pPr algn="ctr"/>
+                      <a:r>
+                        <a:rPr lang="en-US" altLang="zh-CN" sz="1200" dirty="0"/>
+                        <a:t>.</a:t>
+                      </a:r>
+                      <a:endParaRPr lang="zh-CN" altLang="en-US" sz="1200" dirty="0"/>
+                    </a:p>
+                  </a:txBody>
+                  <a:tcPr anchor="ctr"/>
+                </a:tc>
+                <a:tc>
+                  <a:txBody>
+                    <a:bodyPr/>
+                    <a:lstStyle/>
+                    <a:p>
+                      <a:pPr algn="ctr"/>
+                      <a:r>
+                        <a:rPr lang="en-US" altLang="zh-CN" sz="1200" dirty="0"/>
+                        <a:t>6</a:t>
+                      </a:r>
+                      <a:endParaRPr lang="zh-CN" altLang="en-US" sz="1200" dirty="0"/>
+                    </a:p>
+                  </a:txBody>
+                  <a:tcPr anchor="ctr"/>
+                </a:tc>
+                <a:tc>
+                  <a:txBody>
+                    <a:bodyPr/>
+                    <a:lstStyle/>
+                    <a:p>
+                      <a:pPr algn="ctr"/>
+                      <a:r>
+                        <a:rPr lang="en-US" altLang="zh-CN" sz="1200" dirty="0"/>
+                        <a:t>%</a:t>
+                      </a:r>
+                      <a:endParaRPr lang="zh-CN" altLang="en-US" sz="1200" dirty="0"/>
+                    </a:p>
+                  </a:txBody>
+                  <a:tcPr anchor="ctr"/>
+                </a:tc>
+                <a:tc>
+                  <a:txBody>
+                    <a:bodyPr/>
+                    <a:lstStyle/>
+                    <a:p>
+                      <a:pPr algn="ctr"/>
+                      <a:r>
+                        <a:rPr lang="zh-CN" altLang="en-US" sz="1200" dirty="0"/>
+                        <a:t>[</a:t>
+                      </a:r>
+                      <a:r>
+                        <a:rPr lang="en-US" altLang="zh-CN" sz="1200" dirty="0"/>
+                        <a:t>CLS</a:t>
+                      </a:r>
+                      <a:r>
+                        <a:rPr lang="zh-CN" altLang="en-US" sz="1200" dirty="0"/>
+                        <a:t>] </a:t>
+                      </a:r>
+                    </a:p>
+                  </a:txBody>
+                  <a:tcPr anchor="ctr"/>
+                </a:tc>
+                <a:extLst>
+                  <a:ext uri="{0D108BD9-81ED-4DB2-BD59-A6C34878D82A}">
+                    <a16:rowId xmlns:a16="http://schemas.microsoft.com/office/drawing/2014/main" val="1722857272"/>
+                  </a:ext>
+                </a:extLst>
+              </a:tr>
+            </a:tbl>
+          </a:graphicData>
+        </a:graphic>
+      </p:graphicFrame>
+    </p:spTree>
+    <p:extLst>
+      <p:ext uri="{BB962C8B-B14F-4D97-AF65-F5344CB8AC3E}">
+        <p14:creationId xmlns:p14="http://schemas.microsoft.com/office/powerpoint/2010/main" val="2504495715"/>
       </p:ext>
     </p:extLst>
   </p:cSld>
